--- a/CCC_Senior/Week3/Week3.pptx
+++ b/CCC_Senior/Week3/Week3.pptx
@@ -5,46 +5,40 @@
     <p:sldMasterId id="2147483712" r:id="rId1"/>
   </p:sldMasterIdLst>
   <p:notesMasterIdLst>
-    <p:notesMasterId r:id="rId39"/>
+    <p:notesMasterId r:id="rId33"/>
   </p:notesMasterIdLst>
   <p:sldIdLst>
     <p:sldId id="256" r:id="rId2"/>
-    <p:sldId id="271" r:id="rId3"/>
-    <p:sldId id="272" r:id="rId4"/>
-    <p:sldId id="273" r:id="rId5"/>
-    <p:sldId id="274" r:id="rId6"/>
-    <p:sldId id="275" r:id="rId7"/>
-    <p:sldId id="276" r:id="rId8"/>
-    <p:sldId id="257" r:id="rId9"/>
-    <p:sldId id="258" r:id="rId10"/>
-    <p:sldId id="259" r:id="rId11"/>
-    <p:sldId id="260" r:id="rId12"/>
-    <p:sldId id="261" r:id="rId13"/>
-    <p:sldId id="262" r:id="rId14"/>
-    <p:sldId id="263" r:id="rId15"/>
-    <p:sldId id="264" r:id="rId16"/>
-    <p:sldId id="265" r:id="rId17"/>
-    <p:sldId id="266" r:id="rId18"/>
-    <p:sldId id="267" r:id="rId19"/>
-    <p:sldId id="268" r:id="rId20"/>
-    <p:sldId id="269" r:id="rId21"/>
-    <p:sldId id="270" r:id="rId22"/>
-    <p:sldId id="277" r:id="rId23"/>
-    <p:sldId id="278" r:id="rId24"/>
-    <p:sldId id="279" r:id="rId25"/>
-    <p:sldId id="280" r:id="rId26"/>
-    <p:sldId id="281" r:id="rId27"/>
-    <p:sldId id="282" r:id="rId28"/>
-    <p:sldId id="283" r:id="rId29"/>
-    <p:sldId id="284" r:id="rId30"/>
-    <p:sldId id="285" r:id="rId31"/>
-    <p:sldId id="286" r:id="rId32"/>
-    <p:sldId id="287" r:id="rId33"/>
-    <p:sldId id="288" r:id="rId34"/>
-    <p:sldId id="291" r:id="rId35"/>
-    <p:sldId id="292" r:id="rId36"/>
-    <p:sldId id="290" r:id="rId37"/>
-    <p:sldId id="289" r:id="rId38"/>
+    <p:sldId id="257" r:id="rId3"/>
+    <p:sldId id="258" r:id="rId4"/>
+    <p:sldId id="259" r:id="rId5"/>
+    <p:sldId id="260" r:id="rId6"/>
+    <p:sldId id="261" r:id="rId7"/>
+    <p:sldId id="262" r:id="rId8"/>
+    <p:sldId id="263" r:id="rId9"/>
+    <p:sldId id="264" r:id="rId10"/>
+    <p:sldId id="265" r:id="rId11"/>
+    <p:sldId id="266" r:id="rId12"/>
+    <p:sldId id="267" r:id="rId13"/>
+    <p:sldId id="268" r:id="rId14"/>
+    <p:sldId id="269" r:id="rId15"/>
+    <p:sldId id="270" r:id="rId16"/>
+    <p:sldId id="277" r:id="rId17"/>
+    <p:sldId id="278" r:id="rId18"/>
+    <p:sldId id="279" r:id="rId19"/>
+    <p:sldId id="280" r:id="rId20"/>
+    <p:sldId id="281" r:id="rId21"/>
+    <p:sldId id="282" r:id="rId22"/>
+    <p:sldId id="283" r:id="rId23"/>
+    <p:sldId id="284" r:id="rId24"/>
+    <p:sldId id="285" r:id="rId25"/>
+    <p:sldId id="286" r:id="rId26"/>
+    <p:sldId id="287" r:id="rId27"/>
+    <p:sldId id="288" r:id="rId28"/>
+    <p:sldId id="291" r:id="rId29"/>
+    <p:sldId id="292" r:id="rId30"/>
+    <p:sldId id="290" r:id="rId31"/>
+    <p:sldId id="289" r:id="rId32"/>
   </p:sldIdLst>
   <p:sldSz cx="12192000" cy="6858000"/>
   <p:notesSz cx="6858000" cy="9144000"/>
@@ -268,7 +262,7 @@
           <a:p>
             <a:fld id="{EEC8761D-B6AE-CB43-BF66-99EEC8F751AD}" type="datetimeFigureOut">
               <a:rPr lang="en-US" smtClean="0"/>
-              <a:t>7/17/22</a:t>
+              <a:t>7/26/22</a:t>
             </a:fld>
             <a:endParaRPr lang="en-US"/>
           </a:p>
@@ -687,7 +681,7 @@
           <a:p>
             <a:fld id="{1CB461AE-68D6-BF4F-999A-4B73E5D71B47}" type="slidenum">
               <a:rPr lang="en-US" smtClean="0"/>
-              <a:t>21</a:t>
+              <a:t>15</a:t>
             </a:fld>
             <a:endParaRPr lang="en-US"/>
           </a:p>
@@ -861,7 +855,7 @@
             <a:fld id="{3F9AFA87-1417-4992-ABD9-27C3BC8CC883}" type="datetimeFigureOut">
               <a:rPr lang="en-US" smtClean="0"/>
               <a:pPr algn="r"/>
-              <a:t>7/17/22</a:t>
+              <a:t>7/26/22</a:t>
             </a:fld>
             <a:endParaRPr lang="en-US" dirty="0"/>
           </a:p>
@@ -1062,7 +1056,7 @@
           <a:p>
             <a:fld id="{3F9AFA87-1417-4992-ABD9-27C3BC8CC883}" type="datetimeFigureOut">
               <a:rPr lang="en-US" smtClean="0"/>
-              <a:t>7/17/22</a:t>
+              <a:t>7/26/22</a:t>
             </a:fld>
             <a:endParaRPr lang="en-US"/>
           </a:p>
@@ -1272,7 +1266,7 @@
           <a:p>
             <a:fld id="{3F9AFA87-1417-4992-ABD9-27C3BC8CC883}" type="datetimeFigureOut">
               <a:rPr lang="en-US" smtClean="0"/>
-              <a:t>7/17/22</a:t>
+              <a:t>7/26/22</a:t>
             </a:fld>
             <a:endParaRPr lang="en-US"/>
           </a:p>
@@ -1470,7 +1464,7 @@
           <a:p>
             <a:fld id="{3F9AFA87-1417-4992-ABD9-27C3BC8CC883}" type="datetimeFigureOut">
               <a:rPr lang="en-US" smtClean="0"/>
-              <a:t>7/17/22</a:t>
+              <a:t>7/26/22</a:t>
             </a:fld>
             <a:endParaRPr lang="en-US"/>
           </a:p>
@@ -1744,7 +1738,7 @@
           <a:p>
             <a:fld id="{3F9AFA87-1417-4992-ABD9-27C3BC8CC883}" type="datetimeFigureOut">
               <a:rPr lang="en-US" smtClean="0"/>
-              <a:t>7/17/22</a:t>
+              <a:t>7/26/22</a:t>
             </a:fld>
             <a:endParaRPr lang="en-US"/>
           </a:p>
@@ -2009,7 +2003,7 @@
           <a:p>
             <a:fld id="{3F9AFA87-1417-4992-ABD9-27C3BC8CC883}" type="datetimeFigureOut">
               <a:rPr lang="en-US" smtClean="0"/>
-              <a:t>7/17/22</a:t>
+              <a:t>7/26/22</a:t>
             </a:fld>
             <a:endParaRPr lang="en-US" dirty="0"/>
           </a:p>
@@ -2396,7 +2390,7 @@
           <a:p>
             <a:fld id="{3F9AFA87-1417-4992-ABD9-27C3BC8CC883}" type="datetimeFigureOut">
               <a:rPr lang="en-US" smtClean="0"/>
-              <a:t>7/17/22</a:t>
+              <a:t>7/26/22</a:t>
             </a:fld>
             <a:endParaRPr lang="en-US"/>
           </a:p>
@@ -2566,7 +2560,7 @@
           <a:p>
             <a:fld id="{3F9AFA87-1417-4992-ABD9-27C3BC8CC883}" type="datetimeFigureOut">
               <a:rPr lang="en-US" smtClean="0"/>
-              <a:t>7/17/22</a:t>
+              <a:t>7/26/22</a:t>
             </a:fld>
             <a:endParaRPr lang="en-US"/>
           </a:p>
@@ -2679,7 +2673,7 @@
           <a:p>
             <a:fld id="{3F9AFA87-1417-4992-ABD9-27C3BC8CC883}" type="datetimeFigureOut">
               <a:rPr lang="en-US" smtClean="0"/>
-              <a:t>7/17/22</a:t>
+              <a:t>7/26/22</a:t>
             </a:fld>
             <a:endParaRPr lang="en-US"/>
           </a:p>
@@ -2999,7 +2993,7 @@
           <a:p>
             <a:fld id="{3F9AFA87-1417-4992-ABD9-27C3BC8CC883}" type="datetimeFigureOut">
               <a:rPr lang="en-US" smtClean="0"/>
-              <a:t>7/17/22</a:t>
+              <a:t>7/26/22</a:t>
             </a:fld>
             <a:endParaRPr lang="en-US"/>
           </a:p>
@@ -3304,7 +3298,7 @@
           <a:p>
             <a:fld id="{3F9AFA87-1417-4992-ABD9-27C3BC8CC883}" type="datetimeFigureOut">
               <a:rPr lang="en-US" smtClean="0"/>
-              <a:t>7/17/22</a:t>
+              <a:t>7/26/22</a:t>
             </a:fld>
             <a:endParaRPr lang="en-US"/>
           </a:p>
@@ -3547,7 +3541,7 @@
             <a:fld id="{3F9AFA87-1417-4992-ABD9-27C3BC8CC883}" type="datetimeFigureOut">
               <a:rPr lang="en-US" smtClean="0"/>
               <a:pPr algn="r"/>
-              <a:t>7/17/22</a:t>
+              <a:t>7/26/22</a:t>
             </a:fld>
             <a:endParaRPr lang="en-US" dirty="0"/>
           </a:p>
@@ -4328,7 +4322,7 @@
           <p:cNvPr id="2" name="Title 1">
             <a:extLst>
               <a:ext uri="{FF2B5EF4-FFF2-40B4-BE49-F238E27FC236}">
-                <a16:creationId xmlns:a16="http://schemas.microsoft.com/office/drawing/2014/main" id="{85107FA9-41F5-CE47-84D2-28B1369624DF}"/>
+                <a16:creationId xmlns:a16="http://schemas.microsoft.com/office/drawing/2014/main" id="{F2CE4F3C-D19A-9240-97D7-FC1D396E9CEC}"/>
               </a:ext>
             </a:extLst>
           </p:cNvPr>
@@ -4346,7 +4340,7 @@
           <a:p>
             <a:r>
               <a:rPr lang="en-US" dirty="0"/>
-              <a:t>Examples</a:t>
+              <a:t>Shortest Path (Unweighted Graph)</a:t>
             </a:r>
           </a:p>
         </p:txBody>
@@ -4356,7 +4350,7 @@
           <p:cNvPr id="3" name="Content Placeholder 2">
             <a:extLst>
               <a:ext uri="{FF2B5EF4-FFF2-40B4-BE49-F238E27FC236}">
-                <a16:creationId xmlns:a16="http://schemas.microsoft.com/office/drawing/2014/main" id="{D5D8B99D-02A5-1446-A4EF-0695B2D444A2}"/>
+                <a16:creationId xmlns:a16="http://schemas.microsoft.com/office/drawing/2014/main" id="{A94F181D-841C-9843-B7BD-D1C043964E1A}"/>
               </a:ext>
             </a:extLst>
           </p:cNvPr>
@@ -4367,43 +4361,52 @@
             <p:ph idx="1"/>
           </p:nvPr>
         </p:nvSpPr>
-        <p:spPr>
-          <a:xfrm>
-            <a:off x="1517904" y="2490952"/>
-            <a:ext cx="9144000" cy="3608096"/>
-          </a:xfrm>
-        </p:spPr>
-        <p:txBody>
-          <a:bodyPr/>
-          <a:lstStyle/>
-          <a:p>
-            <a:r>
-              <a:rPr lang="en-US" dirty="0"/>
-              <a:t>Give examples of (or show that it is impossible):</a:t>
-            </a:r>
-          </a:p>
-          <a:p>
-            <a:r>
-              <a:rPr lang="en-US" dirty="0"/>
-              <a:t>A cyclic, bipartite graph</a:t>
-            </a:r>
-          </a:p>
-          <a:p>
-            <a:r>
-              <a:rPr lang="en-US" dirty="0"/>
-              <a:t>A cyclic, non-bipartite graph</a:t>
-            </a:r>
-          </a:p>
-          <a:p>
-            <a:r>
-              <a:rPr lang="en-US" dirty="0"/>
-              <a:t>An acyclic, bipartite graph</a:t>
-            </a:r>
-          </a:p>
-          <a:p>
-            <a:r>
-              <a:rPr lang="en-US" dirty="0"/>
-              <a:t>An acyclic, non-bipartite graph</a:t>
+        <p:spPr/>
+        <p:txBody>
+          <a:bodyPr/>
+          <a:lstStyle/>
+          <a:p>
+            <a:r>
+              <a:rPr lang="en-US" dirty="0"/>
+              <a:t>If v is reachable from u, then u is a </a:t>
+            </a:r>
+            <a:r>
+              <a:rPr lang="en-US" b="1" dirty="0"/>
+              <a:t>predecessor</a:t>
+            </a:r>
+            <a:r>
+              <a:rPr lang="en-US" dirty="0"/>
+              <a:t> of v and v is a </a:t>
+            </a:r>
+            <a:r>
+              <a:rPr lang="en-US" b="1" dirty="0"/>
+              <a:t>successor</a:t>
+            </a:r>
+            <a:r>
+              <a:rPr lang="en-US" dirty="0"/>
+              <a:t> of u</a:t>
+            </a:r>
+          </a:p>
+          <a:p>
+            <a:r>
+              <a:rPr lang="en-US" dirty="0"/>
+              <a:t>If there is an edge from u to v, then u is a </a:t>
+            </a:r>
+            <a:r>
+              <a:rPr lang="en-US" b="1" dirty="0"/>
+              <a:t>direct predecessor</a:t>
+            </a:r>
+            <a:r>
+              <a:rPr lang="en-US" dirty="0"/>
+              <a:t> of v and v is a </a:t>
+            </a:r>
+            <a:r>
+              <a:rPr lang="en-US" b="1" dirty="0"/>
+              <a:t>direct successor </a:t>
+            </a:r>
+            <a:r>
+              <a:rPr lang="en-US" dirty="0"/>
+              <a:t>of u</a:t>
             </a:r>
           </a:p>
         </p:txBody>
@@ -4411,7 +4414,7 @@
     </p:spTree>
     <p:extLst>
       <p:ext uri="{BB962C8B-B14F-4D97-AF65-F5344CB8AC3E}">
-        <p14:creationId xmlns:p14="http://schemas.microsoft.com/office/powerpoint/2010/main" val="2253958042"/>
+        <p14:creationId xmlns:p14="http://schemas.microsoft.com/office/powerpoint/2010/main" val="210217579"/>
       </p:ext>
     </p:extLst>
   </p:cSld>
@@ -4443,7 +4446,7 @@
           <p:cNvPr id="2" name="Title 1">
             <a:extLst>
               <a:ext uri="{FF2B5EF4-FFF2-40B4-BE49-F238E27FC236}">
-                <a16:creationId xmlns:a16="http://schemas.microsoft.com/office/drawing/2014/main" id="{06768BC2-92D8-164D-8A07-65920E9AC520}"/>
+                <a16:creationId xmlns:a16="http://schemas.microsoft.com/office/drawing/2014/main" id="{ECB5E96A-43C0-224F-A1FA-983F765FF2ED}"/>
               </a:ext>
             </a:extLst>
           </p:cNvPr>
@@ -4461,7 +4464,7 @@
           <a:p>
             <a:r>
               <a:rPr lang="en-US" dirty="0"/>
-              <a:t>Bi-coloring Problem</a:t>
+              <a:t>Shortest Path (Unweighted Graph)</a:t>
             </a:r>
           </a:p>
         </p:txBody>
@@ -4471,7 +4474,7 @@
           <p:cNvPr id="3" name="Content Placeholder 2">
             <a:extLst>
               <a:ext uri="{FF2B5EF4-FFF2-40B4-BE49-F238E27FC236}">
-                <a16:creationId xmlns:a16="http://schemas.microsoft.com/office/drawing/2014/main" id="{8C1F4085-275F-F540-A017-D2F8492D39C2}"/>
+                <a16:creationId xmlns:a16="http://schemas.microsoft.com/office/drawing/2014/main" id="{0BE1FB9E-3855-584A-B723-280CA8CBABFF}"/>
               </a:ext>
             </a:extLst>
           </p:cNvPr>
@@ -4484,8 +4487,8 @@
         </p:nvSpPr>
         <p:spPr>
           <a:xfrm>
-            <a:off x="1517904" y="2427890"/>
-            <a:ext cx="9144000" cy="3671158"/>
+            <a:off x="1517904" y="2680138"/>
+            <a:ext cx="9144000" cy="3418910"/>
           </a:xfrm>
         </p:spPr>
         <p:txBody>
@@ -4495,26 +4498,8 @@
           <a:lstStyle/>
           <a:p>
             <a:r>
-              <a:rPr lang="en-US" dirty="0"/>
-              <a:t>Decide if one can assign colors (from a palette of two) to the nodes in such a way that no two adjacent nodes have the same color</a:t>
-            </a:r>
-          </a:p>
-          <a:p>
-            <a:r>
-              <a:rPr lang="en-US" dirty="0"/>
-              <a:t>No self-loop (no node will have an edge to itself)</a:t>
-            </a:r>
-          </a:p>
-          <a:p>
-            <a:r>
-              <a:rPr lang="en-US" dirty="0"/>
-              <a:t>Graph is nondirected</a:t>
-            </a:r>
-          </a:p>
-          <a:p>
-            <a:r>
-              <a:rPr lang="en-US" dirty="0"/>
-              <a:t>Graph is strongly connected, there will be at least one path from any node to any other node</a:t>
+              <a:rPr lang="en-US" sz="2800" dirty="0"/>
+              <a:t>Idea: use a modified version of BFS in which we keep storing the predecessor of a given vertex while doing BFS</a:t>
             </a:r>
           </a:p>
         </p:txBody>
@@ -4522,7 +4507,7 @@
     </p:spTree>
     <p:extLst>
       <p:ext uri="{BB962C8B-B14F-4D97-AF65-F5344CB8AC3E}">
-        <p14:creationId xmlns:p14="http://schemas.microsoft.com/office/powerpoint/2010/main" val="372741856"/>
+        <p14:creationId xmlns:p14="http://schemas.microsoft.com/office/powerpoint/2010/main" val="1299288712"/>
       </p:ext>
     </p:extLst>
   </p:cSld>
@@ -4554,7 +4539,7 @@
           <p:cNvPr id="2" name="Title 1">
             <a:extLst>
               <a:ext uri="{FF2B5EF4-FFF2-40B4-BE49-F238E27FC236}">
-                <a16:creationId xmlns:a16="http://schemas.microsoft.com/office/drawing/2014/main" id="{09238D6B-280A-9A47-BF5F-EB24BFBCB4E5}"/>
+                <a16:creationId xmlns:a16="http://schemas.microsoft.com/office/drawing/2014/main" id="{00D5DC7B-00A3-1D4E-93D4-716EC0C81FFC}"/>
               </a:ext>
             </a:extLst>
           </p:cNvPr>
@@ -4572,7 +4557,7 @@
           <a:p>
             <a:r>
               <a:rPr lang="en-US" dirty="0"/>
-              <a:t>Bi-coloring Problem</a:t>
+              <a:t>Shortest Path (Unweighted Graph)</a:t>
             </a:r>
           </a:p>
         </p:txBody>
@@ -4582,7 +4567,7 @@
           <p:cNvPr id="3" name="Content Placeholder 2">
             <a:extLst>
               <a:ext uri="{FF2B5EF4-FFF2-40B4-BE49-F238E27FC236}">
-                <a16:creationId xmlns:a16="http://schemas.microsoft.com/office/drawing/2014/main" id="{8D7F0051-8B6B-1F46-AAA8-EB4D282D109D}"/>
+                <a16:creationId xmlns:a16="http://schemas.microsoft.com/office/drawing/2014/main" id="{53C2D6DE-6EC9-F848-8F52-4A06D41AB5D2}"/>
               </a:ext>
             </a:extLst>
           </p:cNvPr>
@@ -4595,8 +4580,8 @@
         </p:nvSpPr>
         <p:spPr>
           <a:xfrm>
-            <a:off x="1517904" y="2658164"/>
-            <a:ext cx="9144000" cy="3127248"/>
+            <a:off x="1517904" y="2522483"/>
+            <a:ext cx="9144000" cy="3576565"/>
           </a:xfrm>
         </p:spPr>
         <p:txBody>
@@ -4605,86 +4590,158 @@
           <a:p>
             <a:r>
               <a:rPr lang="en-US" dirty="0"/>
-              <a:t>A graph is bipartite if it is two-</a:t>
+              <a:t>Initialize an array </a:t>
+            </a:r>
+            <a:r>
+              <a:rPr lang="en-US" b="1" dirty="0" err="1"/>
+              <a:t>dist</a:t>
+            </a:r>
+            <a:r>
+              <a:rPr lang="en-US" b="1" dirty="0"/>
+              <a:t>[] </a:t>
+            </a:r>
+            <a:r>
+              <a:rPr lang="en-US" dirty="0"/>
+              <a:t>such that </a:t>
             </a:r>
             <a:r>
               <a:rPr lang="en-US" dirty="0" err="1"/>
-              <a:t>colourable</a:t>
+              <a:t>dist</a:t>
+            </a:r>
+            <a:r>
+              <a:rPr lang="en-US" dirty="0"/>
+              <a:t>[</a:t>
+            </a:r>
+            <a:r>
+              <a:rPr lang="en-US" dirty="0" err="1"/>
+              <a:t>i</a:t>
+            </a:r>
+            <a:r>
+              <a:rPr lang="en-US" dirty="0"/>
+              <a:t>] stores the distance of vertex </a:t>
+            </a:r>
+            <a:r>
+              <a:rPr lang="en-US" dirty="0" err="1"/>
+              <a:t>i</a:t>
+            </a:r>
+            <a:r>
+              <a:rPr lang="en-US" dirty="0"/>
+              <a:t> from the source vertex</a:t>
+            </a:r>
+          </a:p>
+          <a:p>
+            <a:r>
+              <a:rPr lang="en-US" dirty="0"/>
+              <a:t>Initialize an array </a:t>
+            </a:r>
+            <a:r>
+              <a:rPr lang="en-US" b="1" dirty="0" err="1"/>
+              <a:t>pred</a:t>
+            </a:r>
+            <a:r>
+              <a:rPr lang="en-US" b="1" dirty="0"/>
+              <a:t>[] </a:t>
+            </a:r>
+            <a:r>
+              <a:rPr lang="en-US" dirty="0"/>
+              <a:t>such that </a:t>
+            </a:r>
+            <a:r>
+              <a:rPr lang="en-US" dirty="0" err="1"/>
+              <a:t>pred</a:t>
+            </a:r>
+            <a:r>
+              <a:rPr lang="en-US" dirty="0"/>
+              <a:t>[</a:t>
+            </a:r>
+            <a:r>
+              <a:rPr lang="en-US" dirty="0" err="1"/>
+              <a:t>i</a:t>
+            </a:r>
+            <a:r>
+              <a:rPr lang="en-US" dirty="0"/>
+              <a:t>] stores the direct predecessor of vertex </a:t>
+            </a:r>
+            <a:r>
+              <a:rPr lang="en-US" dirty="0" err="1"/>
+              <a:t>i</a:t>
             </a:r>
             <a:endParaRPr lang="en-US" dirty="0"/>
           </a:p>
           <a:p>
             <a:r>
               <a:rPr lang="en-US" dirty="0"/>
-              <a:t>Even cycle vs. odd cycle</a:t>
-            </a:r>
-          </a:p>
-        </p:txBody>
-      </p:sp>
-      <p:pic>
-        <p:nvPicPr>
-          <p:cNvPr id="4" name="Picture 3">
-            <a:extLst>
-              <a:ext uri="{FF2B5EF4-FFF2-40B4-BE49-F238E27FC236}">
-                <a16:creationId xmlns:a16="http://schemas.microsoft.com/office/drawing/2014/main" id="{19EB3C5E-B3A2-864A-B020-BFC67171D245}"/>
-              </a:ext>
-            </a:extLst>
-          </p:cNvPr>
-          <p:cNvPicPr>
-            <a:picLocks noChangeAspect="1"/>
-          </p:cNvPicPr>
-          <p:nvPr/>
-        </p:nvPicPr>
-        <p:blipFill>
-          <a:blip r:embed="rId2"/>
-          <a:stretch>
-            <a:fillRect/>
-          </a:stretch>
-        </p:blipFill>
-        <p:spPr>
-          <a:xfrm>
-            <a:off x="1918356" y="4221788"/>
-            <a:ext cx="2291037" cy="2501521"/>
-          </a:xfrm>
-          <a:prstGeom prst="rect">
-            <a:avLst/>
-          </a:prstGeom>
-        </p:spPr>
-      </p:pic>
-      <p:pic>
-        <p:nvPicPr>
-          <p:cNvPr id="5" name="Picture 4">
-            <a:extLst>
-              <a:ext uri="{FF2B5EF4-FFF2-40B4-BE49-F238E27FC236}">
-                <a16:creationId xmlns:a16="http://schemas.microsoft.com/office/drawing/2014/main" id="{61D97F01-D36B-F447-A578-E1ED9BAC217C}"/>
-              </a:ext>
-            </a:extLst>
-          </p:cNvPr>
-          <p:cNvPicPr>
-            <a:picLocks noChangeAspect="1"/>
-          </p:cNvPicPr>
-          <p:nvPr/>
-        </p:nvPicPr>
-        <p:blipFill>
-          <a:blip r:embed="rId3"/>
-          <a:stretch>
-            <a:fillRect/>
-          </a:stretch>
-        </p:blipFill>
-        <p:spPr>
-          <a:xfrm>
-            <a:off x="6089904" y="3997146"/>
-            <a:ext cx="2412562" cy="2644168"/>
-          </a:xfrm>
-          <a:prstGeom prst="rect">
-            <a:avLst/>
-          </a:prstGeom>
-        </p:spPr>
-      </p:pic>
+              <a:t>Length of the path from source to any other vertex: </a:t>
+            </a:r>
+            <a:r>
+              <a:rPr lang="en-US" dirty="0" err="1"/>
+              <a:t>dist</a:t>
+            </a:r>
+            <a:r>
+              <a:rPr lang="en-US" dirty="0"/>
+              <a:t>[</a:t>
+            </a:r>
+            <a:r>
+              <a:rPr lang="en-US" dirty="0" err="1"/>
+              <a:t>i</a:t>
+            </a:r>
+            <a:r>
+              <a:rPr lang="en-US" dirty="0"/>
+              <a:t>]</a:t>
+            </a:r>
+          </a:p>
+          <a:p>
+            <a:r>
+              <a:rPr lang="en-US" dirty="0"/>
+              <a:t>Printing the path: </a:t>
+            </a:r>
+            <a:r>
+              <a:rPr lang="en-US" dirty="0" err="1"/>
+              <a:t>pred</a:t>
+            </a:r>
+            <a:r>
+              <a:rPr lang="en-US" dirty="0"/>
+              <a:t>[</a:t>
+            </a:r>
+            <a:r>
+              <a:rPr lang="en-US" dirty="0" err="1"/>
+              <a:t>i</a:t>
+            </a:r>
+            <a:r>
+              <a:rPr lang="en-US" dirty="0"/>
+              <a:t>], </a:t>
+            </a:r>
+            <a:r>
+              <a:rPr lang="en-US" dirty="0" err="1"/>
+              <a:t>pred</a:t>
+            </a:r>
+            <a:r>
+              <a:rPr lang="en-US" dirty="0"/>
+              <a:t>[</a:t>
+            </a:r>
+            <a:r>
+              <a:rPr lang="en-US" dirty="0" err="1"/>
+              <a:t>pred</a:t>
+            </a:r>
+            <a:r>
+              <a:rPr lang="en-US" dirty="0"/>
+              <a:t>[</a:t>
+            </a:r>
+            <a:r>
+              <a:rPr lang="en-US" dirty="0" err="1"/>
+              <a:t>i</a:t>
+            </a:r>
+            <a:r>
+              <a:rPr lang="en-US" dirty="0"/>
+              <a:t>]], …</a:t>
+            </a:r>
+          </a:p>
+        </p:txBody>
+      </p:sp>
     </p:spTree>
     <p:extLst>
       <p:ext uri="{BB962C8B-B14F-4D97-AF65-F5344CB8AC3E}">
-        <p14:creationId xmlns:p14="http://schemas.microsoft.com/office/powerpoint/2010/main" val="2209869789"/>
+        <p14:creationId xmlns:p14="http://schemas.microsoft.com/office/powerpoint/2010/main" val="2861666053"/>
       </p:ext>
     </p:extLst>
   </p:cSld>
@@ -4716,7 +4773,7 @@
           <p:cNvPr id="2" name="Title 1">
             <a:extLst>
               <a:ext uri="{FF2B5EF4-FFF2-40B4-BE49-F238E27FC236}">
-                <a16:creationId xmlns:a16="http://schemas.microsoft.com/office/drawing/2014/main" id="{6F9ACFE2-0B2E-8A40-80D9-D2A8CEFCD18E}"/>
+                <a16:creationId xmlns:a16="http://schemas.microsoft.com/office/drawing/2014/main" id="{E950B0F8-4B78-C243-AE0A-ACD3121FECDA}"/>
               </a:ext>
             </a:extLst>
           </p:cNvPr>
@@ -4734,7 +4791,7 @@
           <a:p>
             <a:r>
               <a:rPr lang="en-US" dirty="0"/>
-              <a:t>Algorithm 1</a:t>
+              <a:t>Big-O Complexity</a:t>
             </a:r>
           </a:p>
         </p:txBody>
@@ -4744,7 +4801,7 @@
           <p:cNvPr id="3" name="Content Placeholder 2">
             <a:extLst>
               <a:ext uri="{FF2B5EF4-FFF2-40B4-BE49-F238E27FC236}">
-                <a16:creationId xmlns:a16="http://schemas.microsoft.com/office/drawing/2014/main" id="{B619ED43-14FF-AD48-B76F-A66E5E2C0DDD}"/>
+                <a16:creationId xmlns:a16="http://schemas.microsoft.com/office/drawing/2014/main" id="{E417F6B7-F709-2249-A657-32F3ABCB6498}"/>
               </a:ext>
             </a:extLst>
           </p:cNvPr>
@@ -4755,136 +4812,28 @@
             <p:ph idx="1"/>
           </p:nvPr>
         </p:nvSpPr>
-        <p:spPr>
-          <a:xfrm>
-            <a:off x="1517904" y="2333297"/>
-            <a:ext cx="9659848" cy="3765751"/>
-          </a:xfrm>
-        </p:spPr>
-        <p:txBody>
-          <a:bodyPr>
-            <a:normAutofit fontScale="92500" lnSpcReduction="10000"/>
-          </a:bodyPr>
-          <a:lstStyle/>
-          <a:p>
-            <a:pPr marL="514350" indent="-514350">
-              <a:buAutoNum type="arabicPeriod"/>
-            </a:pPr>
-            <a:r>
-              <a:rPr lang="en-US" dirty="0"/>
-              <a:t>Assign RED </a:t>
-            </a:r>
-            <a:r>
-              <a:rPr lang="en-US" dirty="0" err="1"/>
-              <a:t>colour</a:t>
-            </a:r>
-            <a:r>
-              <a:rPr lang="en-US" dirty="0"/>
-              <a:t> to the source vertex (putting a node into set U)</a:t>
-            </a:r>
-          </a:p>
-          <a:p>
-            <a:pPr marL="514350" indent="-514350">
-              <a:buAutoNum type="arabicPeriod"/>
-            </a:pPr>
-            <a:r>
-              <a:rPr lang="en-US" dirty="0"/>
-              <a:t>Color all neighbours with BLUE (putting nodes into set V)</a:t>
-            </a:r>
-          </a:p>
-          <a:p>
-            <a:pPr marL="514350" indent="-514350">
-              <a:buAutoNum type="arabicPeriod"/>
-            </a:pPr>
-            <a:r>
-              <a:rPr lang="en-US" dirty="0"/>
-              <a:t>Color all </a:t>
-            </a:r>
-            <a:r>
-              <a:rPr lang="en-US" dirty="0" err="1"/>
-              <a:t>neighbours’</a:t>
-            </a:r>
-            <a:r>
-              <a:rPr lang="en-US" dirty="0"/>
-              <a:t> neighbours with RED (putting nodes into set U)</a:t>
-            </a:r>
-          </a:p>
-          <a:p>
-            <a:pPr marL="514350" indent="-514350">
-              <a:buAutoNum type="arabicPeriod"/>
-            </a:pPr>
-            <a:r>
-              <a:rPr lang="en-US" dirty="0"/>
-              <a:t>Repeat step 3 until all nodes are visited</a:t>
-            </a:r>
-          </a:p>
-          <a:p>
-            <a:pPr marL="514350" indent="-514350">
-              <a:buAutoNum type="arabicPeriod"/>
-            </a:pPr>
-            <a:r>
-              <a:rPr lang="en-US" dirty="0"/>
-              <a:t>While assigning </a:t>
-            </a:r>
-            <a:r>
-              <a:rPr lang="en-US" dirty="0" err="1"/>
-              <a:t>colours</a:t>
-            </a:r>
-            <a:r>
-              <a:rPr lang="en-US" dirty="0"/>
-              <a:t>, if we find a </a:t>
-            </a:r>
-            <a:r>
-              <a:rPr lang="en-US" dirty="0" err="1"/>
-              <a:t>neighbour</a:t>
-            </a:r>
-            <a:r>
-              <a:rPr lang="en-US" dirty="0"/>
-              <a:t> which is </a:t>
-            </a:r>
-            <a:r>
-              <a:rPr lang="en-US" dirty="0" err="1"/>
-              <a:t>coloured</a:t>
-            </a:r>
-            <a:r>
-              <a:rPr lang="en-US" dirty="0"/>
-              <a:t> with the same </a:t>
-            </a:r>
-            <a:r>
-              <a:rPr lang="en-US" dirty="0" err="1"/>
-              <a:t>colour</a:t>
-            </a:r>
-            <a:r>
-              <a:rPr lang="en-US" dirty="0"/>
-              <a:t> as the current vertex, then the graph is not bi-</a:t>
-            </a:r>
-            <a:r>
-              <a:rPr lang="en-US" dirty="0" err="1"/>
-              <a:t>colourable</a:t>
-            </a:r>
-            <a:r>
-              <a:rPr lang="en-US" dirty="0"/>
-              <a:t>/bipartite</a:t>
-            </a:r>
-          </a:p>
-          <a:p>
-            <a:pPr marL="514350" indent="-514350">
-              <a:buAutoNum type="arabicPeriod"/>
-            </a:pPr>
-            <a:endParaRPr lang="en-US" dirty="0"/>
-          </a:p>
-          <a:p>
-            <a:pPr marL="514350" indent="-514350">
-              <a:buAutoNum type="arabicPeriod"/>
-            </a:pPr>
-            <a:endParaRPr lang="en-US" dirty="0"/>
+        <p:spPr/>
+        <p:txBody>
+          <a:bodyPr/>
+          <a:lstStyle/>
+          <a:p>
+            <a:r>
+              <a:rPr lang="en-US" dirty="0"/>
+              <a:t>Time: O(V+E)</a:t>
+            </a:r>
+          </a:p>
+          <a:p>
+            <a:r>
+              <a:rPr lang="en-US" dirty="0"/>
+              <a:t>Space: O(V)</a:t>
+            </a:r>
           </a:p>
         </p:txBody>
       </p:sp>
     </p:spTree>
     <p:extLst>
       <p:ext uri="{BB962C8B-B14F-4D97-AF65-F5344CB8AC3E}">
-        <p14:creationId xmlns:p14="http://schemas.microsoft.com/office/powerpoint/2010/main" val="3809912017"/>
+        <p14:creationId xmlns:p14="http://schemas.microsoft.com/office/powerpoint/2010/main" val="3669463195"/>
       </p:ext>
     </p:extLst>
   </p:cSld>
@@ -4916,862 +4865,6 @@
           <p:cNvPr id="2" name="Title 1">
             <a:extLst>
               <a:ext uri="{FF2B5EF4-FFF2-40B4-BE49-F238E27FC236}">
-                <a16:creationId xmlns:a16="http://schemas.microsoft.com/office/drawing/2014/main" id="{7B0D9A9F-9688-444C-9113-09A0B95F53AA}"/>
-              </a:ext>
-            </a:extLst>
-          </p:cNvPr>
-          <p:cNvSpPr>
-            <a:spLocks noGrp="1"/>
-          </p:cNvSpPr>
-          <p:nvPr>
-            <p:ph type="title"/>
-          </p:nvPr>
-        </p:nvSpPr>
-        <p:spPr/>
-        <p:txBody>
-          <a:bodyPr/>
-          <a:lstStyle/>
-          <a:p>
-            <a:r>
-              <a:rPr lang="en-US" dirty="0"/>
-              <a:t>Big-O Complexity</a:t>
-            </a:r>
-          </a:p>
-        </p:txBody>
-      </p:sp>
-      <p:sp>
-        <p:nvSpPr>
-          <p:cNvPr id="3" name="Content Placeholder 2">
-            <a:extLst>
-              <a:ext uri="{FF2B5EF4-FFF2-40B4-BE49-F238E27FC236}">
-                <a16:creationId xmlns:a16="http://schemas.microsoft.com/office/drawing/2014/main" id="{FF6E3B65-1550-5645-958E-EA0FFC1A5F3A}"/>
-              </a:ext>
-            </a:extLst>
-          </p:cNvPr>
-          <p:cNvSpPr>
-            <a:spLocks noGrp="1"/>
-          </p:cNvSpPr>
-          <p:nvPr>
-            <p:ph idx="1"/>
-          </p:nvPr>
-        </p:nvSpPr>
-        <p:spPr/>
-        <p:txBody>
-          <a:bodyPr/>
-          <a:lstStyle/>
-          <a:p>
-            <a:r>
-              <a:rPr lang="en-US" dirty="0"/>
-              <a:t>Time complexity: O(V*V) using adjacency matrix, O(V+E) using adjacency list</a:t>
-            </a:r>
-          </a:p>
-          <a:p>
-            <a:r>
-              <a:rPr lang="en-US" dirty="0"/>
-              <a:t>Space complexity: O(V) for queue and </a:t>
-            </a:r>
-            <a:r>
-              <a:rPr lang="en-US" dirty="0" err="1"/>
-              <a:t>colour_arr</a:t>
-            </a:r>
-            <a:endParaRPr lang="en-US" dirty="0"/>
-          </a:p>
-        </p:txBody>
-      </p:sp>
-    </p:spTree>
-    <p:extLst>
-      <p:ext uri="{BB962C8B-B14F-4D97-AF65-F5344CB8AC3E}">
-        <p14:creationId xmlns:p14="http://schemas.microsoft.com/office/powerpoint/2010/main" val="1826306599"/>
-      </p:ext>
-    </p:extLst>
-  </p:cSld>
-  <p:clrMapOvr>
-    <a:masterClrMapping/>
-  </p:clrMapOvr>
-</p:sld>
-</file>
-
-<file path=ppt/slides/slide15.xml><?xml version="1.0" encoding="utf-8"?>
-<p:sld xmlns:a="http://schemas.openxmlformats.org/drawingml/2006/main" xmlns:r="http://schemas.openxmlformats.org/officeDocument/2006/relationships" xmlns:p="http://schemas.openxmlformats.org/presentationml/2006/main">
-  <p:cSld>
-    <p:spTree>
-      <p:nvGrpSpPr>
-        <p:cNvPr id="1" name=""/>
-        <p:cNvGrpSpPr/>
-        <p:nvPr/>
-      </p:nvGrpSpPr>
-      <p:grpSpPr>
-        <a:xfrm>
-          <a:off x="0" y="0"/>
-          <a:ext cx="0" cy="0"/>
-          <a:chOff x="0" y="0"/>
-          <a:chExt cx="0" cy="0"/>
-        </a:xfrm>
-      </p:grpSpPr>
-      <p:sp>
-        <p:nvSpPr>
-          <p:cNvPr id="2" name="Title 1">
-            <a:extLst>
-              <a:ext uri="{FF2B5EF4-FFF2-40B4-BE49-F238E27FC236}">
-                <a16:creationId xmlns:a16="http://schemas.microsoft.com/office/drawing/2014/main" id="{26F45DEA-2D16-6A42-82BB-00CA220B7AF6}"/>
-              </a:ext>
-            </a:extLst>
-          </p:cNvPr>
-          <p:cNvSpPr>
-            <a:spLocks noGrp="1"/>
-          </p:cNvSpPr>
-          <p:nvPr>
-            <p:ph type="title"/>
-          </p:nvPr>
-        </p:nvSpPr>
-        <p:spPr/>
-        <p:txBody>
-          <a:bodyPr/>
-          <a:lstStyle/>
-          <a:p>
-            <a:r>
-              <a:rPr lang="en-US" dirty="0"/>
-              <a:t>Shortest Path (Unweighted Graph)</a:t>
-            </a:r>
-          </a:p>
-        </p:txBody>
-      </p:sp>
-      <p:sp>
-        <p:nvSpPr>
-          <p:cNvPr id="3" name="Content Placeholder 2">
-            <a:extLst>
-              <a:ext uri="{FF2B5EF4-FFF2-40B4-BE49-F238E27FC236}">
-                <a16:creationId xmlns:a16="http://schemas.microsoft.com/office/drawing/2014/main" id="{71AF1941-D3D5-6148-B13A-C8AA6B9372AA}"/>
-              </a:ext>
-            </a:extLst>
-          </p:cNvPr>
-          <p:cNvSpPr>
-            <a:spLocks noGrp="1"/>
-          </p:cNvSpPr>
-          <p:nvPr>
-            <p:ph idx="1"/>
-          </p:nvPr>
-        </p:nvSpPr>
-        <p:spPr>
-          <a:xfrm>
-            <a:off x="1517904" y="2432305"/>
-            <a:ext cx="9144000" cy="3127248"/>
-          </a:xfrm>
-        </p:spPr>
-        <p:txBody>
-          <a:bodyPr/>
-          <a:lstStyle/>
-          <a:p>
-            <a:r>
-              <a:rPr lang="en-US" dirty="0"/>
-              <a:t>Find the shortest path from source -&gt; destination</a:t>
-            </a:r>
-          </a:p>
-        </p:txBody>
-      </p:sp>
-      <p:pic>
-        <p:nvPicPr>
-          <p:cNvPr id="4" name="Picture 3">
-            <a:extLst>
-              <a:ext uri="{FF2B5EF4-FFF2-40B4-BE49-F238E27FC236}">
-                <a16:creationId xmlns:a16="http://schemas.microsoft.com/office/drawing/2014/main" id="{C18CC612-BE92-B546-85B9-7F9DD776749F}"/>
-              </a:ext>
-            </a:extLst>
-          </p:cNvPr>
-          <p:cNvPicPr>
-            <a:picLocks noChangeAspect="1"/>
-          </p:cNvPicPr>
-          <p:nvPr/>
-        </p:nvPicPr>
-        <p:blipFill>
-          <a:blip r:embed="rId2"/>
-          <a:stretch>
-            <a:fillRect/>
-          </a:stretch>
-        </p:blipFill>
-        <p:spPr>
-          <a:xfrm>
-            <a:off x="2320596" y="3118507"/>
-            <a:ext cx="6731000" cy="3187700"/>
-          </a:xfrm>
-          <a:prstGeom prst="rect">
-            <a:avLst/>
-          </a:prstGeom>
-        </p:spPr>
-      </p:pic>
-    </p:spTree>
-    <p:extLst>
-      <p:ext uri="{BB962C8B-B14F-4D97-AF65-F5344CB8AC3E}">
-        <p14:creationId xmlns:p14="http://schemas.microsoft.com/office/powerpoint/2010/main" val="1387091749"/>
-      </p:ext>
-    </p:extLst>
-  </p:cSld>
-  <p:clrMapOvr>
-    <a:masterClrMapping/>
-  </p:clrMapOvr>
-</p:sld>
-</file>
-
-<file path=ppt/slides/slide16.xml><?xml version="1.0" encoding="utf-8"?>
-<p:sld xmlns:a="http://schemas.openxmlformats.org/drawingml/2006/main" xmlns:r="http://schemas.openxmlformats.org/officeDocument/2006/relationships" xmlns:p="http://schemas.openxmlformats.org/presentationml/2006/main">
-  <p:cSld>
-    <p:spTree>
-      <p:nvGrpSpPr>
-        <p:cNvPr id="1" name=""/>
-        <p:cNvGrpSpPr/>
-        <p:nvPr/>
-      </p:nvGrpSpPr>
-      <p:grpSpPr>
-        <a:xfrm>
-          <a:off x="0" y="0"/>
-          <a:ext cx="0" cy="0"/>
-          <a:chOff x="0" y="0"/>
-          <a:chExt cx="0" cy="0"/>
-        </a:xfrm>
-      </p:grpSpPr>
-      <p:sp>
-        <p:nvSpPr>
-          <p:cNvPr id="2" name="Title 1">
-            <a:extLst>
-              <a:ext uri="{FF2B5EF4-FFF2-40B4-BE49-F238E27FC236}">
-                <a16:creationId xmlns:a16="http://schemas.microsoft.com/office/drawing/2014/main" id="{F2CE4F3C-D19A-9240-97D7-FC1D396E9CEC}"/>
-              </a:ext>
-            </a:extLst>
-          </p:cNvPr>
-          <p:cNvSpPr>
-            <a:spLocks noGrp="1"/>
-          </p:cNvSpPr>
-          <p:nvPr>
-            <p:ph type="title"/>
-          </p:nvPr>
-        </p:nvSpPr>
-        <p:spPr/>
-        <p:txBody>
-          <a:bodyPr/>
-          <a:lstStyle/>
-          <a:p>
-            <a:r>
-              <a:rPr lang="en-US" dirty="0"/>
-              <a:t>Shortest Path (Unweighted Graph)</a:t>
-            </a:r>
-          </a:p>
-        </p:txBody>
-      </p:sp>
-      <p:sp>
-        <p:nvSpPr>
-          <p:cNvPr id="3" name="Content Placeholder 2">
-            <a:extLst>
-              <a:ext uri="{FF2B5EF4-FFF2-40B4-BE49-F238E27FC236}">
-                <a16:creationId xmlns:a16="http://schemas.microsoft.com/office/drawing/2014/main" id="{A94F181D-841C-9843-B7BD-D1C043964E1A}"/>
-              </a:ext>
-            </a:extLst>
-          </p:cNvPr>
-          <p:cNvSpPr>
-            <a:spLocks noGrp="1"/>
-          </p:cNvSpPr>
-          <p:nvPr>
-            <p:ph idx="1"/>
-          </p:nvPr>
-        </p:nvSpPr>
-        <p:spPr/>
-        <p:txBody>
-          <a:bodyPr/>
-          <a:lstStyle/>
-          <a:p>
-            <a:r>
-              <a:rPr lang="en-US" dirty="0"/>
-              <a:t>If v is reachable from u, then u is a </a:t>
-            </a:r>
-            <a:r>
-              <a:rPr lang="en-US" b="1" dirty="0"/>
-              <a:t>predecessor</a:t>
-            </a:r>
-            <a:r>
-              <a:rPr lang="en-US" dirty="0"/>
-              <a:t> of v and v is a </a:t>
-            </a:r>
-            <a:r>
-              <a:rPr lang="en-US" b="1" dirty="0"/>
-              <a:t>successor</a:t>
-            </a:r>
-            <a:r>
-              <a:rPr lang="en-US" dirty="0"/>
-              <a:t> of u</a:t>
-            </a:r>
-          </a:p>
-          <a:p>
-            <a:r>
-              <a:rPr lang="en-US" dirty="0"/>
-              <a:t>If there is an edge from u to v, then u is a </a:t>
-            </a:r>
-            <a:r>
-              <a:rPr lang="en-US" b="1" dirty="0"/>
-              <a:t>direct predecessor</a:t>
-            </a:r>
-            <a:r>
-              <a:rPr lang="en-US" dirty="0"/>
-              <a:t> of v and v is a </a:t>
-            </a:r>
-            <a:r>
-              <a:rPr lang="en-US" b="1" dirty="0"/>
-              <a:t>direct successor </a:t>
-            </a:r>
-            <a:r>
-              <a:rPr lang="en-US" dirty="0"/>
-              <a:t>of u</a:t>
-            </a:r>
-          </a:p>
-        </p:txBody>
-      </p:sp>
-    </p:spTree>
-    <p:extLst>
-      <p:ext uri="{BB962C8B-B14F-4D97-AF65-F5344CB8AC3E}">
-        <p14:creationId xmlns:p14="http://schemas.microsoft.com/office/powerpoint/2010/main" val="210217579"/>
-      </p:ext>
-    </p:extLst>
-  </p:cSld>
-  <p:clrMapOvr>
-    <a:masterClrMapping/>
-  </p:clrMapOvr>
-</p:sld>
-</file>
-
-<file path=ppt/slides/slide17.xml><?xml version="1.0" encoding="utf-8"?>
-<p:sld xmlns:a="http://schemas.openxmlformats.org/drawingml/2006/main" xmlns:r="http://schemas.openxmlformats.org/officeDocument/2006/relationships" xmlns:p="http://schemas.openxmlformats.org/presentationml/2006/main">
-  <p:cSld>
-    <p:spTree>
-      <p:nvGrpSpPr>
-        <p:cNvPr id="1" name=""/>
-        <p:cNvGrpSpPr/>
-        <p:nvPr/>
-      </p:nvGrpSpPr>
-      <p:grpSpPr>
-        <a:xfrm>
-          <a:off x="0" y="0"/>
-          <a:ext cx="0" cy="0"/>
-          <a:chOff x="0" y="0"/>
-          <a:chExt cx="0" cy="0"/>
-        </a:xfrm>
-      </p:grpSpPr>
-      <p:sp>
-        <p:nvSpPr>
-          <p:cNvPr id="2" name="Title 1">
-            <a:extLst>
-              <a:ext uri="{FF2B5EF4-FFF2-40B4-BE49-F238E27FC236}">
-                <a16:creationId xmlns:a16="http://schemas.microsoft.com/office/drawing/2014/main" id="{ECB5E96A-43C0-224F-A1FA-983F765FF2ED}"/>
-              </a:ext>
-            </a:extLst>
-          </p:cNvPr>
-          <p:cNvSpPr>
-            <a:spLocks noGrp="1"/>
-          </p:cNvSpPr>
-          <p:nvPr>
-            <p:ph type="title"/>
-          </p:nvPr>
-        </p:nvSpPr>
-        <p:spPr/>
-        <p:txBody>
-          <a:bodyPr/>
-          <a:lstStyle/>
-          <a:p>
-            <a:r>
-              <a:rPr lang="en-US" dirty="0"/>
-              <a:t>Shortest Path (Unweighted Graph)</a:t>
-            </a:r>
-          </a:p>
-        </p:txBody>
-      </p:sp>
-      <p:sp>
-        <p:nvSpPr>
-          <p:cNvPr id="3" name="Content Placeholder 2">
-            <a:extLst>
-              <a:ext uri="{FF2B5EF4-FFF2-40B4-BE49-F238E27FC236}">
-                <a16:creationId xmlns:a16="http://schemas.microsoft.com/office/drawing/2014/main" id="{0BE1FB9E-3855-584A-B723-280CA8CBABFF}"/>
-              </a:ext>
-            </a:extLst>
-          </p:cNvPr>
-          <p:cNvSpPr>
-            <a:spLocks noGrp="1"/>
-          </p:cNvSpPr>
-          <p:nvPr>
-            <p:ph idx="1"/>
-          </p:nvPr>
-        </p:nvSpPr>
-        <p:spPr>
-          <a:xfrm>
-            <a:off x="1517904" y="2680138"/>
-            <a:ext cx="9144000" cy="3418910"/>
-          </a:xfrm>
-        </p:spPr>
-        <p:txBody>
-          <a:bodyPr>
-            <a:normAutofit/>
-          </a:bodyPr>
-          <a:lstStyle/>
-          <a:p>
-            <a:r>
-              <a:rPr lang="en-US" sz="2800" dirty="0"/>
-              <a:t>Idea: use a modified version of BFS in which we keep storing the predecessor of a given vertex while doing BFS</a:t>
-            </a:r>
-          </a:p>
-        </p:txBody>
-      </p:sp>
-    </p:spTree>
-    <p:extLst>
-      <p:ext uri="{BB962C8B-B14F-4D97-AF65-F5344CB8AC3E}">
-        <p14:creationId xmlns:p14="http://schemas.microsoft.com/office/powerpoint/2010/main" val="1299288712"/>
-      </p:ext>
-    </p:extLst>
-  </p:cSld>
-  <p:clrMapOvr>
-    <a:masterClrMapping/>
-  </p:clrMapOvr>
-</p:sld>
-</file>
-
-<file path=ppt/slides/slide18.xml><?xml version="1.0" encoding="utf-8"?>
-<p:sld xmlns:a="http://schemas.openxmlformats.org/drawingml/2006/main" xmlns:r="http://schemas.openxmlformats.org/officeDocument/2006/relationships" xmlns:p="http://schemas.openxmlformats.org/presentationml/2006/main">
-  <p:cSld>
-    <p:spTree>
-      <p:nvGrpSpPr>
-        <p:cNvPr id="1" name=""/>
-        <p:cNvGrpSpPr/>
-        <p:nvPr/>
-      </p:nvGrpSpPr>
-      <p:grpSpPr>
-        <a:xfrm>
-          <a:off x="0" y="0"/>
-          <a:ext cx="0" cy="0"/>
-          <a:chOff x="0" y="0"/>
-          <a:chExt cx="0" cy="0"/>
-        </a:xfrm>
-      </p:grpSpPr>
-      <p:sp>
-        <p:nvSpPr>
-          <p:cNvPr id="2" name="Title 1">
-            <a:extLst>
-              <a:ext uri="{FF2B5EF4-FFF2-40B4-BE49-F238E27FC236}">
-                <a16:creationId xmlns:a16="http://schemas.microsoft.com/office/drawing/2014/main" id="{00D5DC7B-00A3-1D4E-93D4-716EC0C81FFC}"/>
-              </a:ext>
-            </a:extLst>
-          </p:cNvPr>
-          <p:cNvSpPr>
-            <a:spLocks noGrp="1"/>
-          </p:cNvSpPr>
-          <p:nvPr>
-            <p:ph type="title"/>
-          </p:nvPr>
-        </p:nvSpPr>
-        <p:spPr/>
-        <p:txBody>
-          <a:bodyPr/>
-          <a:lstStyle/>
-          <a:p>
-            <a:r>
-              <a:rPr lang="en-US" dirty="0"/>
-              <a:t>Shortest Path (Unweighted Graph)</a:t>
-            </a:r>
-          </a:p>
-        </p:txBody>
-      </p:sp>
-      <p:sp>
-        <p:nvSpPr>
-          <p:cNvPr id="3" name="Content Placeholder 2">
-            <a:extLst>
-              <a:ext uri="{FF2B5EF4-FFF2-40B4-BE49-F238E27FC236}">
-                <a16:creationId xmlns:a16="http://schemas.microsoft.com/office/drawing/2014/main" id="{53C2D6DE-6EC9-F848-8F52-4A06D41AB5D2}"/>
-              </a:ext>
-            </a:extLst>
-          </p:cNvPr>
-          <p:cNvSpPr>
-            <a:spLocks noGrp="1"/>
-          </p:cNvSpPr>
-          <p:nvPr>
-            <p:ph idx="1"/>
-          </p:nvPr>
-        </p:nvSpPr>
-        <p:spPr>
-          <a:xfrm>
-            <a:off x="1517904" y="2522483"/>
-            <a:ext cx="9144000" cy="3576565"/>
-          </a:xfrm>
-        </p:spPr>
-        <p:txBody>
-          <a:bodyPr/>
-          <a:lstStyle/>
-          <a:p>
-            <a:r>
-              <a:rPr lang="en-US" dirty="0"/>
-              <a:t>Initialize an array </a:t>
-            </a:r>
-            <a:r>
-              <a:rPr lang="en-US" b="1" dirty="0" err="1"/>
-              <a:t>dist</a:t>
-            </a:r>
-            <a:r>
-              <a:rPr lang="en-US" b="1" dirty="0"/>
-              <a:t>[] </a:t>
-            </a:r>
-            <a:r>
-              <a:rPr lang="en-US" dirty="0"/>
-              <a:t>such that </a:t>
-            </a:r>
-            <a:r>
-              <a:rPr lang="en-US" dirty="0" err="1"/>
-              <a:t>dist</a:t>
-            </a:r>
-            <a:r>
-              <a:rPr lang="en-US" dirty="0"/>
-              <a:t>[</a:t>
-            </a:r>
-            <a:r>
-              <a:rPr lang="en-US" dirty="0" err="1"/>
-              <a:t>i</a:t>
-            </a:r>
-            <a:r>
-              <a:rPr lang="en-US" dirty="0"/>
-              <a:t>] stores the distance of vertex </a:t>
-            </a:r>
-            <a:r>
-              <a:rPr lang="en-US" dirty="0" err="1"/>
-              <a:t>i</a:t>
-            </a:r>
-            <a:r>
-              <a:rPr lang="en-US" dirty="0"/>
-              <a:t> from the source vertex</a:t>
-            </a:r>
-          </a:p>
-          <a:p>
-            <a:r>
-              <a:rPr lang="en-US" dirty="0"/>
-              <a:t>Initialize an array </a:t>
-            </a:r>
-            <a:r>
-              <a:rPr lang="en-US" b="1" dirty="0" err="1"/>
-              <a:t>pred</a:t>
-            </a:r>
-            <a:r>
-              <a:rPr lang="en-US" b="1" dirty="0"/>
-              <a:t>[] </a:t>
-            </a:r>
-            <a:r>
-              <a:rPr lang="en-US" dirty="0"/>
-              <a:t>such that </a:t>
-            </a:r>
-            <a:r>
-              <a:rPr lang="en-US" dirty="0" err="1"/>
-              <a:t>pred</a:t>
-            </a:r>
-            <a:r>
-              <a:rPr lang="en-US" dirty="0"/>
-              <a:t>[</a:t>
-            </a:r>
-            <a:r>
-              <a:rPr lang="en-US" dirty="0" err="1"/>
-              <a:t>i</a:t>
-            </a:r>
-            <a:r>
-              <a:rPr lang="en-US" dirty="0"/>
-              <a:t>] stores the direct predecessor of vertex </a:t>
-            </a:r>
-            <a:r>
-              <a:rPr lang="en-US" dirty="0" err="1"/>
-              <a:t>i</a:t>
-            </a:r>
-            <a:endParaRPr lang="en-US" dirty="0"/>
-          </a:p>
-          <a:p>
-            <a:r>
-              <a:rPr lang="en-US" dirty="0"/>
-              <a:t>Length of the path from source to any other vertex: </a:t>
-            </a:r>
-            <a:r>
-              <a:rPr lang="en-US" dirty="0" err="1"/>
-              <a:t>dist</a:t>
-            </a:r>
-            <a:r>
-              <a:rPr lang="en-US" dirty="0"/>
-              <a:t>[</a:t>
-            </a:r>
-            <a:r>
-              <a:rPr lang="en-US" dirty="0" err="1"/>
-              <a:t>i</a:t>
-            </a:r>
-            <a:r>
-              <a:rPr lang="en-US" dirty="0"/>
-              <a:t>]</a:t>
-            </a:r>
-          </a:p>
-          <a:p>
-            <a:r>
-              <a:rPr lang="en-US" dirty="0"/>
-              <a:t>Printing the path: </a:t>
-            </a:r>
-            <a:r>
-              <a:rPr lang="en-US" dirty="0" err="1"/>
-              <a:t>pred</a:t>
-            </a:r>
-            <a:r>
-              <a:rPr lang="en-US" dirty="0"/>
-              <a:t>[</a:t>
-            </a:r>
-            <a:r>
-              <a:rPr lang="en-US" dirty="0" err="1"/>
-              <a:t>i</a:t>
-            </a:r>
-            <a:r>
-              <a:rPr lang="en-US" dirty="0"/>
-              <a:t>], </a:t>
-            </a:r>
-            <a:r>
-              <a:rPr lang="en-US" dirty="0" err="1"/>
-              <a:t>pred</a:t>
-            </a:r>
-            <a:r>
-              <a:rPr lang="en-US" dirty="0"/>
-              <a:t>[</a:t>
-            </a:r>
-            <a:r>
-              <a:rPr lang="en-US" dirty="0" err="1"/>
-              <a:t>pred</a:t>
-            </a:r>
-            <a:r>
-              <a:rPr lang="en-US" dirty="0"/>
-              <a:t>[</a:t>
-            </a:r>
-            <a:r>
-              <a:rPr lang="en-US" dirty="0" err="1"/>
-              <a:t>i</a:t>
-            </a:r>
-            <a:r>
-              <a:rPr lang="en-US" dirty="0"/>
-              <a:t>]], …</a:t>
-            </a:r>
-          </a:p>
-        </p:txBody>
-      </p:sp>
-    </p:spTree>
-    <p:extLst>
-      <p:ext uri="{BB962C8B-B14F-4D97-AF65-F5344CB8AC3E}">
-        <p14:creationId xmlns:p14="http://schemas.microsoft.com/office/powerpoint/2010/main" val="2861666053"/>
-      </p:ext>
-    </p:extLst>
-  </p:cSld>
-  <p:clrMapOvr>
-    <a:masterClrMapping/>
-  </p:clrMapOvr>
-</p:sld>
-</file>
-
-<file path=ppt/slides/slide19.xml><?xml version="1.0" encoding="utf-8"?>
-<p:sld xmlns:a="http://schemas.openxmlformats.org/drawingml/2006/main" xmlns:r="http://schemas.openxmlformats.org/officeDocument/2006/relationships" xmlns:p="http://schemas.openxmlformats.org/presentationml/2006/main">
-  <p:cSld>
-    <p:spTree>
-      <p:nvGrpSpPr>
-        <p:cNvPr id="1" name=""/>
-        <p:cNvGrpSpPr/>
-        <p:nvPr/>
-      </p:nvGrpSpPr>
-      <p:grpSpPr>
-        <a:xfrm>
-          <a:off x="0" y="0"/>
-          <a:ext cx="0" cy="0"/>
-          <a:chOff x="0" y="0"/>
-          <a:chExt cx="0" cy="0"/>
-        </a:xfrm>
-      </p:grpSpPr>
-      <p:sp>
-        <p:nvSpPr>
-          <p:cNvPr id="2" name="Title 1">
-            <a:extLst>
-              <a:ext uri="{FF2B5EF4-FFF2-40B4-BE49-F238E27FC236}">
-                <a16:creationId xmlns:a16="http://schemas.microsoft.com/office/drawing/2014/main" id="{E950B0F8-4B78-C243-AE0A-ACD3121FECDA}"/>
-              </a:ext>
-            </a:extLst>
-          </p:cNvPr>
-          <p:cNvSpPr>
-            <a:spLocks noGrp="1"/>
-          </p:cNvSpPr>
-          <p:nvPr>
-            <p:ph type="title"/>
-          </p:nvPr>
-        </p:nvSpPr>
-        <p:spPr/>
-        <p:txBody>
-          <a:bodyPr/>
-          <a:lstStyle/>
-          <a:p>
-            <a:r>
-              <a:rPr lang="en-US" dirty="0"/>
-              <a:t>Big-O Complexity</a:t>
-            </a:r>
-          </a:p>
-        </p:txBody>
-      </p:sp>
-      <p:sp>
-        <p:nvSpPr>
-          <p:cNvPr id="3" name="Content Placeholder 2">
-            <a:extLst>
-              <a:ext uri="{FF2B5EF4-FFF2-40B4-BE49-F238E27FC236}">
-                <a16:creationId xmlns:a16="http://schemas.microsoft.com/office/drawing/2014/main" id="{E417F6B7-F709-2249-A657-32F3ABCB6498}"/>
-              </a:ext>
-            </a:extLst>
-          </p:cNvPr>
-          <p:cNvSpPr>
-            <a:spLocks noGrp="1"/>
-          </p:cNvSpPr>
-          <p:nvPr>
-            <p:ph idx="1"/>
-          </p:nvPr>
-        </p:nvSpPr>
-        <p:spPr/>
-        <p:txBody>
-          <a:bodyPr/>
-          <a:lstStyle/>
-          <a:p>
-            <a:r>
-              <a:rPr lang="en-US" dirty="0"/>
-              <a:t>Time: O(V+E)</a:t>
-            </a:r>
-          </a:p>
-          <a:p>
-            <a:r>
-              <a:rPr lang="en-US" dirty="0"/>
-              <a:t>Space: O(V)</a:t>
-            </a:r>
-          </a:p>
-        </p:txBody>
-      </p:sp>
-    </p:spTree>
-    <p:extLst>
-      <p:ext uri="{BB962C8B-B14F-4D97-AF65-F5344CB8AC3E}">
-        <p14:creationId xmlns:p14="http://schemas.microsoft.com/office/powerpoint/2010/main" val="3669463195"/>
-      </p:ext>
-    </p:extLst>
-  </p:cSld>
-  <p:clrMapOvr>
-    <a:masterClrMapping/>
-  </p:clrMapOvr>
-</p:sld>
-</file>
-
-<file path=ppt/slides/slide2.xml><?xml version="1.0" encoding="utf-8"?>
-<p:sld xmlns:a="http://schemas.openxmlformats.org/drawingml/2006/main" xmlns:r="http://schemas.openxmlformats.org/officeDocument/2006/relationships" xmlns:p="http://schemas.openxmlformats.org/presentationml/2006/main">
-  <p:cSld>
-    <p:spTree>
-      <p:nvGrpSpPr>
-        <p:cNvPr id="1" name=""/>
-        <p:cNvGrpSpPr/>
-        <p:nvPr/>
-      </p:nvGrpSpPr>
-      <p:grpSpPr>
-        <a:xfrm>
-          <a:off x="0" y="0"/>
-          <a:ext cx="0" cy="0"/>
-          <a:chOff x="0" y="0"/>
-          <a:chExt cx="0" cy="0"/>
-        </a:xfrm>
-      </p:grpSpPr>
-      <p:sp>
-        <p:nvSpPr>
-          <p:cNvPr id="2" name="Title 1">
-            <a:extLst>
-              <a:ext uri="{FF2B5EF4-FFF2-40B4-BE49-F238E27FC236}">
-                <a16:creationId xmlns:a16="http://schemas.microsoft.com/office/drawing/2014/main" id="{5DFFA8C2-6DAC-E949-8EDD-E887B657B620}"/>
-              </a:ext>
-            </a:extLst>
-          </p:cNvPr>
-          <p:cNvSpPr>
-            <a:spLocks noGrp="1"/>
-          </p:cNvSpPr>
-          <p:nvPr>
-            <p:ph type="title"/>
-          </p:nvPr>
-        </p:nvSpPr>
-        <p:spPr/>
-        <p:txBody>
-          <a:bodyPr/>
-          <a:lstStyle/>
-          <a:p>
-            <a:r>
-              <a:rPr lang="en-US" dirty="0"/>
-              <a:t>Adjacency List</a:t>
-            </a:r>
-          </a:p>
-        </p:txBody>
-      </p:sp>
-      <p:sp>
-        <p:nvSpPr>
-          <p:cNvPr id="3" name="Content Placeholder 2">
-            <a:extLst>
-              <a:ext uri="{FF2B5EF4-FFF2-40B4-BE49-F238E27FC236}">
-                <a16:creationId xmlns:a16="http://schemas.microsoft.com/office/drawing/2014/main" id="{FF302933-0A1A-D143-9EF0-0BE0161DE4F4}"/>
-              </a:ext>
-            </a:extLst>
-          </p:cNvPr>
-          <p:cNvSpPr>
-            <a:spLocks noGrp="1"/>
-          </p:cNvSpPr>
-          <p:nvPr>
-            <p:ph idx="1"/>
-          </p:nvPr>
-        </p:nvSpPr>
-        <p:spPr/>
-        <p:txBody>
-          <a:bodyPr/>
-          <a:lstStyle/>
-          <a:p>
-            <a:r>
-              <a:rPr lang="en-US" dirty="0"/>
-              <a:t>Used to represent a graph as an array of linked lists</a:t>
-            </a:r>
-          </a:p>
-          <a:p>
-            <a:r>
-              <a:rPr lang="en-US" dirty="0"/>
-              <a:t>The index of the array represents a vertex and each element in its linked list represents the other vertices that form an edge with the vertex</a:t>
-            </a:r>
-          </a:p>
-          <a:p>
-            <a:endParaRPr lang="en-US" dirty="0"/>
-          </a:p>
-        </p:txBody>
-      </p:sp>
-    </p:spTree>
-    <p:extLst>
-      <p:ext uri="{BB962C8B-B14F-4D97-AF65-F5344CB8AC3E}">
-        <p14:creationId xmlns:p14="http://schemas.microsoft.com/office/powerpoint/2010/main" val="478336114"/>
-      </p:ext>
-    </p:extLst>
-  </p:cSld>
-  <p:clrMapOvr>
-    <a:masterClrMapping/>
-  </p:clrMapOvr>
-</p:sld>
-</file>
-
-<file path=ppt/slides/slide20.xml><?xml version="1.0" encoding="utf-8"?>
-<p:sld xmlns:a="http://schemas.openxmlformats.org/drawingml/2006/main" xmlns:r="http://schemas.openxmlformats.org/officeDocument/2006/relationships" xmlns:p="http://schemas.openxmlformats.org/presentationml/2006/main">
-  <p:cSld>
-    <p:spTree>
-      <p:nvGrpSpPr>
-        <p:cNvPr id="1" name=""/>
-        <p:cNvGrpSpPr/>
-        <p:nvPr/>
-      </p:nvGrpSpPr>
-      <p:grpSpPr>
-        <a:xfrm>
-          <a:off x="0" y="0"/>
-          <a:ext cx="0" cy="0"/>
-          <a:chOff x="0" y="0"/>
-          <a:chExt cx="0" cy="0"/>
-        </a:xfrm>
-      </p:grpSpPr>
-      <p:sp>
-        <p:nvSpPr>
-          <p:cNvPr id="2" name="Title 1">
-            <a:extLst>
-              <a:ext uri="{FF2B5EF4-FFF2-40B4-BE49-F238E27FC236}">
                 <a16:creationId xmlns:a16="http://schemas.microsoft.com/office/drawing/2014/main" id="{B7B77C89-B97C-444D-BA96-76898A88E5D9}"/>
               </a:ext>
             </a:extLst>
@@ -5839,7 +4932,7 @@
 </p:sld>
 </file>
 
-<file path=ppt/slides/slide21.xml><?xml version="1.0" encoding="utf-8"?>
+<file path=ppt/slides/slide15.xml><?xml version="1.0" encoding="utf-8"?>
 <p:sld xmlns:a="http://schemas.openxmlformats.org/drawingml/2006/main" xmlns:r="http://schemas.openxmlformats.org/officeDocument/2006/relationships" xmlns:p="http://schemas.openxmlformats.org/presentationml/2006/main">
   <p:cSld>
     <p:spTree>
@@ -5967,7 +5060,7 @@
 </p:sld>
 </file>
 
-<file path=ppt/slides/slide22.xml><?xml version="1.0" encoding="utf-8"?>
+<file path=ppt/slides/slide16.xml><?xml version="1.0" encoding="utf-8"?>
 <p:sld xmlns:a="http://schemas.openxmlformats.org/drawingml/2006/main" xmlns:r="http://schemas.openxmlformats.org/officeDocument/2006/relationships" xmlns:p="http://schemas.openxmlformats.org/presentationml/2006/main">
   <p:cSld>
     <p:spTree>
@@ -6132,7 +5225,7 @@
 </p:sld>
 </file>
 
-<file path=ppt/slides/slide23.xml><?xml version="1.0" encoding="utf-8"?>
+<file path=ppt/slides/slide17.xml><?xml version="1.0" encoding="utf-8"?>
 <p:sld xmlns:a="http://schemas.openxmlformats.org/drawingml/2006/main" xmlns:r="http://schemas.openxmlformats.org/officeDocument/2006/relationships" xmlns:p="http://schemas.openxmlformats.org/presentationml/2006/main">
   <p:cSld>
     <p:spTree>
@@ -6275,7 +5368,7 @@
 </p:sld>
 </file>
 
-<file path=ppt/slides/slide24.xml><?xml version="1.0" encoding="utf-8"?>
+<file path=ppt/slides/slide18.xml><?xml version="1.0" encoding="utf-8"?>
 <p:sld xmlns:a="http://schemas.openxmlformats.org/drawingml/2006/main" xmlns:r="http://schemas.openxmlformats.org/officeDocument/2006/relationships" xmlns:p="http://schemas.openxmlformats.org/presentationml/2006/main">
   <p:cSld>
     <p:spTree>
@@ -6375,7 +5468,7 @@
 </p:sld>
 </file>
 
-<file path=ppt/slides/slide25.xml><?xml version="1.0" encoding="utf-8"?>
+<file path=ppt/slides/slide19.xml><?xml version="1.0" encoding="utf-8"?>
 <p:sld xmlns:a="http://schemas.openxmlformats.org/drawingml/2006/main" xmlns:r="http://schemas.openxmlformats.org/officeDocument/2006/relationships" xmlns:p="http://schemas.openxmlformats.org/presentationml/2006/main">
   <p:cSld>
     <p:spTree>
@@ -6424,8 +5517,8 @@
           </a:prstGeom>
         </p:spPr>
       </p:pic>
-      <mc:AlternateContent xmlns:mc="http://schemas.openxmlformats.org/markup-compatibility/2006">
-        <mc:Choice xmlns:p14="http://schemas.microsoft.com/office/powerpoint/2010/main" Requires="p14">
+      <mc:AlternateContent xmlns:mc="http://schemas.openxmlformats.org/markup-compatibility/2006" xmlns:p14="http://schemas.microsoft.com/office/powerpoint/2010/main">
+        <mc:Choice Requires="p14">
           <p:contentPart p14:bwMode="auto" r:id="rId3">
             <p14:nvContentPartPr>
               <p14:cNvPr id="2" name="Ink 1">
@@ -6444,7 +5537,7 @@
             </p14:xfrm>
           </p:contentPart>
         </mc:Choice>
-        <mc:Fallback>
+        <mc:Fallback xmlns="">
           <p:pic>
             <p:nvPicPr>
               <p:cNvPr id="2" name="Ink 1">
@@ -6488,7 +5581,107 @@
 </p:sld>
 </file>
 
-<file path=ppt/slides/slide26.xml><?xml version="1.0" encoding="utf-8"?>
+<file path=ppt/slides/slide2.xml><?xml version="1.0" encoding="utf-8"?>
+<p:sld xmlns:a="http://schemas.openxmlformats.org/drawingml/2006/main" xmlns:r="http://schemas.openxmlformats.org/officeDocument/2006/relationships" xmlns:p="http://schemas.openxmlformats.org/presentationml/2006/main">
+  <p:cSld>
+    <p:spTree>
+      <p:nvGrpSpPr>
+        <p:cNvPr id="1" name=""/>
+        <p:cNvGrpSpPr/>
+        <p:nvPr/>
+      </p:nvGrpSpPr>
+      <p:grpSpPr>
+        <a:xfrm>
+          <a:off x="0" y="0"/>
+          <a:ext cx="0" cy="0"/>
+          <a:chOff x="0" y="0"/>
+          <a:chExt cx="0" cy="0"/>
+        </a:xfrm>
+      </p:grpSpPr>
+      <p:sp>
+        <p:nvSpPr>
+          <p:cNvPr id="2" name="Title 1">
+            <a:extLst>
+              <a:ext uri="{FF2B5EF4-FFF2-40B4-BE49-F238E27FC236}">
+                <a16:creationId xmlns:a16="http://schemas.microsoft.com/office/drawing/2014/main" id="{E000C5AB-1C04-EA45-A489-D7E8FCD634DB}"/>
+              </a:ext>
+            </a:extLst>
+          </p:cNvPr>
+          <p:cNvSpPr>
+            <a:spLocks noGrp="1"/>
+          </p:cNvSpPr>
+          <p:nvPr>
+            <p:ph type="title"/>
+          </p:nvPr>
+        </p:nvSpPr>
+        <p:spPr/>
+        <p:txBody>
+          <a:bodyPr/>
+          <a:lstStyle/>
+          <a:p>
+            <a:r>
+              <a:rPr lang="en-US" dirty="0"/>
+              <a:t>Bipartite Graph</a:t>
+            </a:r>
+          </a:p>
+        </p:txBody>
+      </p:sp>
+      <p:sp>
+        <p:nvSpPr>
+          <p:cNvPr id="3" name="Content Placeholder 2">
+            <a:extLst>
+              <a:ext uri="{FF2B5EF4-FFF2-40B4-BE49-F238E27FC236}">
+                <a16:creationId xmlns:a16="http://schemas.microsoft.com/office/drawing/2014/main" id="{CE02B0EC-D170-8948-9194-9BF74DCE8AE7}"/>
+              </a:ext>
+            </a:extLst>
+          </p:cNvPr>
+          <p:cNvSpPr>
+            <a:spLocks noGrp="1"/>
+          </p:cNvSpPr>
+          <p:nvPr>
+            <p:ph idx="1"/>
+          </p:nvPr>
+        </p:nvSpPr>
+        <p:spPr/>
+        <p:txBody>
+          <a:bodyPr>
+            <a:normAutofit lnSpcReduction="10000"/>
+          </a:bodyPr>
+          <a:lstStyle/>
+          <a:p>
+            <a:r>
+              <a:rPr lang="en-US" dirty="0"/>
+              <a:t>A graph whose vertices can be divided into two independent sets, U and V, such that every edge (u, v) either connects a vertex from U to V or a vertex from V to U</a:t>
+            </a:r>
+          </a:p>
+          <a:p>
+            <a:r>
+              <a:rPr lang="en-US" dirty="0"/>
+              <a:t>For every edge (u, v), either u belongs to U and v to V, or u belongs to V and v to U</a:t>
+            </a:r>
+          </a:p>
+          <a:p>
+            <a:r>
+              <a:rPr lang="en-US" dirty="0"/>
+              <a:t>No edge connects vertices of the same set</a:t>
+            </a:r>
+          </a:p>
+        </p:txBody>
+      </p:sp>
+    </p:spTree>
+    <p:extLst>
+      <p:ext uri="{BB962C8B-B14F-4D97-AF65-F5344CB8AC3E}">
+        <p14:creationId xmlns:p14="http://schemas.microsoft.com/office/powerpoint/2010/main" val="1555639445"/>
+      </p:ext>
+    </p:extLst>
+  </p:cSld>
+  <p:clrMapOvr>
+    <a:masterClrMapping/>
+  </p:clrMapOvr>
+</p:sld>
+</file>
+
+<file path=ppt/slides/slide20.xml><?xml version="1.0" encoding="utf-8"?>
 <p:sld xmlns:a="http://schemas.openxmlformats.org/drawingml/2006/main" xmlns:r="http://schemas.openxmlformats.org/officeDocument/2006/relationships" xmlns:p="http://schemas.openxmlformats.org/presentationml/2006/main">
   <p:cSld>
     <p:spTree>
@@ -6550,7 +5743,7 @@
 </p:sld>
 </file>
 
-<file path=ppt/slides/slide27.xml><?xml version="1.0" encoding="utf-8"?>
+<file path=ppt/slides/slide21.xml><?xml version="1.0" encoding="utf-8"?>
 <p:sld xmlns:a="http://schemas.openxmlformats.org/drawingml/2006/main" xmlns:r="http://schemas.openxmlformats.org/officeDocument/2006/relationships" xmlns:p="http://schemas.openxmlformats.org/presentationml/2006/main">
   <p:cSld>
     <p:spTree>
@@ -6612,7 +5805,7 @@
 </p:sld>
 </file>
 
-<file path=ppt/slides/slide28.xml><?xml version="1.0" encoding="utf-8"?>
+<file path=ppt/slides/slide22.xml><?xml version="1.0" encoding="utf-8"?>
 <p:sld xmlns:a="http://schemas.openxmlformats.org/drawingml/2006/main" xmlns:r="http://schemas.openxmlformats.org/officeDocument/2006/relationships" xmlns:p="http://schemas.openxmlformats.org/presentationml/2006/main">
   <p:cSld>
     <p:spTree>
@@ -6674,7 +5867,7 @@
 </p:sld>
 </file>
 
-<file path=ppt/slides/slide29.xml><?xml version="1.0" encoding="utf-8"?>
+<file path=ppt/slides/slide23.xml><?xml version="1.0" encoding="utf-8"?>
 <p:sld xmlns:a="http://schemas.openxmlformats.org/drawingml/2006/main" xmlns:r="http://schemas.openxmlformats.org/officeDocument/2006/relationships" xmlns:p="http://schemas.openxmlformats.org/presentationml/2006/main">
   <p:cSld>
     <p:spTree>
@@ -6736,99 +5929,7 @@
 </p:sld>
 </file>
 
-<file path=ppt/slides/slide3.xml><?xml version="1.0" encoding="utf-8"?>
-<p:sld xmlns:a="http://schemas.openxmlformats.org/drawingml/2006/main" xmlns:r="http://schemas.openxmlformats.org/officeDocument/2006/relationships" xmlns:p="http://schemas.openxmlformats.org/presentationml/2006/main">
-  <p:cSld>
-    <p:spTree>
-      <p:nvGrpSpPr>
-        <p:cNvPr id="1" name=""/>
-        <p:cNvGrpSpPr/>
-        <p:nvPr/>
-      </p:nvGrpSpPr>
-      <p:grpSpPr>
-        <a:xfrm>
-          <a:off x="0" y="0"/>
-          <a:ext cx="0" cy="0"/>
-          <a:chOff x="0" y="0"/>
-          <a:chExt cx="0" cy="0"/>
-        </a:xfrm>
-      </p:grpSpPr>
-      <p:pic>
-        <p:nvPicPr>
-          <p:cNvPr id="4" name="Content Placeholder 3">
-            <a:extLst>
-              <a:ext uri="{FF2B5EF4-FFF2-40B4-BE49-F238E27FC236}">
-                <a16:creationId xmlns:a16="http://schemas.microsoft.com/office/drawing/2014/main" id="{F969E299-39D9-B94E-9E88-19DC605A667F}"/>
-              </a:ext>
-            </a:extLst>
-          </p:cNvPr>
-          <p:cNvPicPr>
-            <a:picLocks noGrp="1" noChangeAspect="1"/>
-          </p:cNvPicPr>
-          <p:nvPr>
-            <p:ph idx="1"/>
-          </p:nvPr>
-        </p:nvPicPr>
-        <p:blipFill>
-          <a:blip r:embed="rId2"/>
-          <a:stretch>
-            <a:fillRect/>
-          </a:stretch>
-        </p:blipFill>
-        <p:spPr>
-          <a:xfrm>
-            <a:off x="1135117" y="1886517"/>
-            <a:ext cx="3382141" cy="3084965"/>
-          </a:xfrm>
-          <a:prstGeom prst="rect">
-            <a:avLst/>
-          </a:prstGeom>
-        </p:spPr>
-      </p:pic>
-      <p:pic>
-        <p:nvPicPr>
-          <p:cNvPr id="5" name="Picture 4">
-            <a:extLst>
-              <a:ext uri="{FF2B5EF4-FFF2-40B4-BE49-F238E27FC236}">
-                <a16:creationId xmlns:a16="http://schemas.microsoft.com/office/drawing/2014/main" id="{28381683-C211-8945-AF6F-C2FE84F10E5D}"/>
-              </a:ext>
-            </a:extLst>
-          </p:cNvPr>
-          <p:cNvPicPr>
-            <a:picLocks noChangeAspect="1"/>
-          </p:cNvPicPr>
-          <p:nvPr/>
-        </p:nvPicPr>
-        <p:blipFill>
-          <a:blip r:embed="rId3"/>
-          <a:stretch>
-            <a:fillRect/>
-          </a:stretch>
-        </p:blipFill>
-        <p:spPr>
-          <a:xfrm>
-            <a:off x="4668783" y="1886517"/>
-            <a:ext cx="6388100" cy="3352800"/>
-          </a:xfrm>
-          <a:prstGeom prst="rect">
-            <a:avLst/>
-          </a:prstGeom>
-        </p:spPr>
-      </p:pic>
-    </p:spTree>
-    <p:extLst>
-      <p:ext uri="{BB962C8B-B14F-4D97-AF65-F5344CB8AC3E}">
-        <p14:creationId xmlns:p14="http://schemas.microsoft.com/office/powerpoint/2010/main" val="2522470848"/>
-      </p:ext>
-    </p:extLst>
-  </p:cSld>
-  <p:clrMapOvr>
-    <a:masterClrMapping/>
-  </p:clrMapOvr>
-</p:sld>
-</file>
-
-<file path=ppt/slides/slide30.xml><?xml version="1.0" encoding="utf-8"?>
+<file path=ppt/slides/slide24.xml><?xml version="1.0" encoding="utf-8"?>
 <p:sld xmlns:a="http://schemas.openxmlformats.org/drawingml/2006/main" xmlns:r="http://schemas.openxmlformats.org/officeDocument/2006/relationships" xmlns:p="http://schemas.openxmlformats.org/presentationml/2006/main">
   <p:cSld>
     <p:spTree>
@@ -6890,7 +5991,7 @@
 </p:sld>
 </file>
 
-<file path=ppt/slides/slide31.xml><?xml version="1.0" encoding="utf-8"?>
+<file path=ppt/slides/slide25.xml><?xml version="1.0" encoding="utf-8"?>
 <p:sld xmlns:a="http://schemas.openxmlformats.org/drawingml/2006/main" xmlns:r="http://schemas.openxmlformats.org/officeDocument/2006/relationships" xmlns:p="http://schemas.openxmlformats.org/presentationml/2006/main">
   <p:cSld>
     <p:spTree>
@@ -6952,7 +6053,7 @@
 </p:sld>
 </file>
 
-<file path=ppt/slides/slide32.xml><?xml version="1.0" encoding="utf-8"?>
+<file path=ppt/slides/slide26.xml><?xml version="1.0" encoding="utf-8"?>
 <p:sld xmlns:a="http://schemas.openxmlformats.org/drawingml/2006/main" xmlns:r="http://schemas.openxmlformats.org/officeDocument/2006/relationships" xmlns:p="http://schemas.openxmlformats.org/presentationml/2006/main">
   <p:cSld>
     <p:spTree>
@@ -7118,7 +6219,7 @@
 </p:sld>
 </file>
 
-<file path=ppt/slides/slide33.xml><?xml version="1.0" encoding="utf-8"?>
+<file path=ppt/slides/slide27.xml><?xml version="1.0" encoding="utf-8"?>
 <p:sld xmlns:a="http://schemas.openxmlformats.org/drawingml/2006/main" xmlns:r="http://schemas.openxmlformats.org/officeDocument/2006/relationships" xmlns:p="http://schemas.openxmlformats.org/presentationml/2006/main">
   <p:cSld>
     <p:spTree>
@@ -7231,7 +6332,7 @@
 </p:sld>
 </file>
 
-<file path=ppt/slides/slide34.xml><?xml version="1.0" encoding="utf-8"?>
+<file path=ppt/slides/slide28.xml><?xml version="1.0" encoding="utf-8"?>
 <p:sld xmlns:a="http://schemas.openxmlformats.org/drawingml/2006/main" xmlns:r="http://schemas.openxmlformats.org/officeDocument/2006/relationships" xmlns:p="http://schemas.openxmlformats.org/presentationml/2006/main">
   <p:cSld>
     <p:spTree>
@@ -7337,7 +6438,7 @@
 </p:sld>
 </file>
 
-<file path=ppt/slides/slide35.xml><?xml version="1.0" encoding="utf-8"?>
+<file path=ppt/slides/slide29.xml><?xml version="1.0" encoding="utf-8"?>
 <p:sld xmlns:a="http://schemas.openxmlformats.org/drawingml/2006/main" xmlns:r="http://schemas.openxmlformats.org/officeDocument/2006/relationships" xmlns:p="http://schemas.openxmlformats.org/presentationml/2006/main">
   <p:cSld>
     <p:spTree>
@@ -7427,7 +6528,7 @@
 </p:sld>
 </file>
 
-<file path=ppt/slides/slide36.xml><?xml version="1.0" encoding="utf-8"?>
+<file path=ppt/slides/slide3.xml><?xml version="1.0" encoding="utf-8"?>
 <p:sld xmlns:a="http://schemas.openxmlformats.org/drawingml/2006/main" xmlns:r="http://schemas.openxmlformats.org/officeDocument/2006/relationships" xmlns:p="http://schemas.openxmlformats.org/presentationml/2006/main">
   <p:cSld>
     <p:spTree>
@@ -7444,6 +6545,68 @@
           <a:chExt cx="0" cy="0"/>
         </a:xfrm>
       </p:grpSpPr>
+      <p:pic>
+        <p:nvPicPr>
+          <p:cNvPr id="7" name="Content Placeholder 6">
+            <a:extLst>
+              <a:ext uri="{FF2B5EF4-FFF2-40B4-BE49-F238E27FC236}">
+                <a16:creationId xmlns:a16="http://schemas.microsoft.com/office/drawing/2014/main" id="{06577EB4-3D83-6B44-80E8-FAD9CB7D1582}"/>
+              </a:ext>
+            </a:extLst>
+          </p:cNvPr>
+          <p:cNvPicPr>
+            <a:picLocks noGrp="1" noChangeAspect="1"/>
+          </p:cNvPicPr>
+          <p:nvPr>
+            <p:ph idx="1"/>
+          </p:nvPr>
+        </p:nvPicPr>
+        <p:blipFill>
+          <a:blip r:embed="rId2"/>
+          <a:stretch>
+            <a:fillRect/>
+          </a:stretch>
+        </p:blipFill>
+        <p:spPr>
+          <a:xfrm>
+            <a:off x="999948" y="2033751"/>
+            <a:ext cx="10192104" cy="3354825"/>
+          </a:xfrm>
+          <a:prstGeom prst="rect">
+            <a:avLst/>
+          </a:prstGeom>
+        </p:spPr>
+      </p:pic>
+    </p:spTree>
+    <p:extLst>
+      <p:ext uri="{BB962C8B-B14F-4D97-AF65-F5344CB8AC3E}">
+        <p14:creationId xmlns:p14="http://schemas.microsoft.com/office/powerpoint/2010/main" val="4209235805"/>
+      </p:ext>
+    </p:extLst>
+  </p:cSld>
+  <p:clrMapOvr>
+    <a:masterClrMapping/>
+  </p:clrMapOvr>
+</p:sld>
+</file>
+
+<file path=ppt/slides/slide30.xml><?xml version="1.0" encoding="utf-8"?>
+<p:sld xmlns:a="http://schemas.openxmlformats.org/drawingml/2006/main" xmlns:r="http://schemas.openxmlformats.org/officeDocument/2006/relationships" xmlns:p="http://schemas.openxmlformats.org/presentationml/2006/main">
+  <p:cSld>
+    <p:spTree>
+      <p:nvGrpSpPr>
+        <p:cNvPr id="1" name=""/>
+        <p:cNvGrpSpPr/>
+        <p:nvPr/>
+      </p:nvGrpSpPr>
+      <p:grpSpPr>
+        <a:xfrm>
+          <a:off x="0" y="0"/>
+          <a:ext cx="0" cy="0"/>
+          <a:chOff x="0" y="0"/>
+          <a:chExt cx="0" cy="0"/>
+        </a:xfrm>
+      </p:grpSpPr>
       <p:sp>
         <p:nvSpPr>
           <p:cNvPr id="2" name="Title 1">
@@ -7551,7 +6714,7 @@
 </p:sld>
 </file>
 
-<file path=ppt/slides/slide37.xml><?xml version="1.0" encoding="utf-8"?>
+<file path=ppt/slides/slide31.xml><?xml version="1.0" encoding="utf-8"?>
 <p:sld xmlns:a="http://schemas.openxmlformats.org/drawingml/2006/main" xmlns:r="http://schemas.openxmlformats.org/officeDocument/2006/relationships" xmlns:p="http://schemas.openxmlformats.org/presentationml/2006/main">
   <p:cSld>
     <p:spTree>
@@ -7657,72 +6820,95 @@
           <a:chExt cx="0" cy="0"/>
         </a:xfrm>
       </p:grpSpPr>
-      <p:pic>
-        <p:nvPicPr>
-          <p:cNvPr id="4" name="Content Placeholder 3">
-            <a:extLst>
-              <a:ext uri="{FF2B5EF4-FFF2-40B4-BE49-F238E27FC236}">
-                <a16:creationId xmlns:a16="http://schemas.microsoft.com/office/drawing/2014/main" id="{ADDB1779-1AAB-3649-8A44-DB5732E1397F}"/>
-              </a:ext>
-            </a:extLst>
-          </p:cNvPr>
-          <p:cNvPicPr>
-            <a:picLocks noGrp="1" noChangeAspect="1"/>
-          </p:cNvPicPr>
+      <p:sp>
+        <p:nvSpPr>
+          <p:cNvPr id="2" name="Title 1">
+            <a:extLst>
+              <a:ext uri="{FF2B5EF4-FFF2-40B4-BE49-F238E27FC236}">
+                <a16:creationId xmlns:a16="http://schemas.microsoft.com/office/drawing/2014/main" id="{85107FA9-41F5-CE47-84D2-28B1369624DF}"/>
+              </a:ext>
+            </a:extLst>
+          </p:cNvPr>
+          <p:cNvSpPr>
+            <a:spLocks noGrp="1"/>
+          </p:cNvSpPr>
+          <p:nvPr>
+            <p:ph type="title"/>
+          </p:nvPr>
+        </p:nvSpPr>
+        <p:spPr/>
+        <p:txBody>
+          <a:bodyPr/>
+          <a:lstStyle/>
+          <a:p>
+            <a:r>
+              <a:rPr lang="en-US" dirty="0"/>
+              <a:t>Examples</a:t>
+            </a:r>
+          </a:p>
+        </p:txBody>
+      </p:sp>
+      <p:sp>
+        <p:nvSpPr>
+          <p:cNvPr id="3" name="Content Placeholder 2">
+            <a:extLst>
+              <a:ext uri="{FF2B5EF4-FFF2-40B4-BE49-F238E27FC236}">
+                <a16:creationId xmlns:a16="http://schemas.microsoft.com/office/drawing/2014/main" id="{D5D8B99D-02A5-1446-A4EF-0695B2D444A2}"/>
+              </a:ext>
+            </a:extLst>
+          </p:cNvPr>
+          <p:cNvSpPr>
+            <a:spLocks noGrp="1"/>
+          </p:cNvSpPr>
           <p:nvPr>
             <p:ph idx="1"/>
           </p:nvPr>
-        </p:nvPicPr>
-        <p:blipFill>
-          <a:blip r:embed="rId2"/>
-          <a:stretch>
-            <a:fillRect/>
-          </a:stretch>
-        </p:blipFill>
+        </p:nvSpPr>
         <p:spPr>
           <a:xfrm>
-            <a:off x="1387366" y="2044700"/>
-            <a:ext cx="3035300" cy="2768600"/>
+            <a:off x="1517904" y="2490952"/>
+            <a:ext cx="9144000" cy="3608096"/>
           </a:xfrm>
-          <a:prstGeom prst="rect">
-            <a:avLst/>
-          </a:prstGeom>
         </p:spPr>
-      </p:pic>
-      <p:pic>
-        <p:nvPicPr>
-          <p:cNvPr id="5" name="Picture 4">
-            <a:extLst>
-              <a:ext uri="{FF2B5EF4-FFF2-40B4-BE49-F238E27FC236}">
-                <a16:creationId xmlns:a16="http://schemas.microsoft.com/office/drawing/2014/main" id="{DC683632-4461-504E-BABA-490F626D68FE}"/>
-              </a:ext>
-            </a:extLst>
-          </p:cNvPr>
-          <p:cNvPicPr>
-            <a:picLocks noChangeAspect="1"/>
-          </p:cNvPicPr>
-          <p:nvPr/>
-        </p:nvPicPr>
-        <p:blipFill>
-          <a:blip r:embed="rId3"/>
-          <a:stretch>
-            <a:fillRect/>
-          </a:stretch>
-        </p:blipFill>
-        <p:spPr>
-          <a:xfrm>
-            <a:off x="5147659" y="2044700"/>
-            <a:ext cx="5068395" cy="3056318"/>
-          </a:xfrm>
-          <a:prstGeom prst="rect">
-            <a:avLst/>
-          </a:prstGeom>
-        </p:spPr>
-      </p:pic>
+        <p:txBody>
+          <a:bodyPr/>
+          <a:lstStyle/>
+          <a:p>
+            <a:r>
+              <a:rPr lang="en-US" dirty="0"/>
+              <a:t>Give examples of (or show that it is impossible):</a:t>
+            </a:r>
+          </a:p>
+          <a:p>
+            <a:r>
+              <a:rPr lang="en-US" dirty="0"/>
+              <a:t>A cyclic, bipartite graph</a:t>
+            </a:r>
+          </a:p>
+          <a:p>
+            <a:r>
+              <a:rPr lang="en-US" dirty="0"/>
+              <a:t>A cyclic, non-bipartite graph</a:t>
+            </a:r>
+          </a:p>
+          <a:p>
+            <a:r>
+              <a:rPr lang="en-US" dirty="0"/>
+              <a:t>An acyclic, bipartite graph</a:t>
+            </a:r>
+          </a:p>
+          <a:p>
+            <a:r>
+              <a:rPr lang="en-US" dirty="0"/>
+              <a:t>An acyclic, non-bipartite graph</a:t>
+            </a:r>
+          </a:p>
+        </p:txBody>
+      </p:sp>
     </p:spTree>
     <p:extLst>
       <p:ext uri="{BB962C8B-B14F-4D97-AF65-F5344CB8AC3E}">
-        <p14:creationId xmlns:p14="http://schemas.microsoft.com/office/powerpoint/2010/main" val="3436693258"/>
+        <p14:creationId xmlns:p14="http://schemas.microsoft.com/office/powerpoint/2010/main" val="2253958042"/>
       </p:ext>
     </p:extLst>
   </p:cSld>
@@ -7754,7 +6940,7 @@
           <p:cNvPr id="2" name="Title 1">
             <a:extLst>
               <a:ext uri="{FF2B5EF4-FFF2-40B4-BE49-F238E27FC236}">
-                <a16:creationId xmlns:a16="http://schemas.microsoft.com/office/drawing/2014/main" id="{9706A394-606D-E544-B39E-81C0549A86EE}"/>
+                <a16:creationId xmlns:a16="http://schemas.microsoft.com/office/drawing/2014/main" id="{06768BC2-92D8-164D-8A07-65920E9AC520}"/>
               </a:ext>
             </a:extLst>
           </p:cNvPr>
@@ -7772,7 +6958,7 @@
           <a:p>
             <a:r>
               <a:rPr lang="en-US" dirty="0"/>
-              <a:t>Adjacency Matrix</a:t>
+              <a:t>Bi-coloring Problem</a:t>
             </a:r>
           </a:p>
         </p:txBody>
@@ -7782,7 +6968,7 @@
           <p:cNvPr id="3" name="Content Placeholder 2">
             <a:extLst>
               <a:ext uri="{FF2B5EF4-FFF2-40B4-BE49-F238E27FC236}">
-                <a16:creationId xmlns:a16="http://schemas.microsoft.com/office/drawing/2014/main" id="{3A5945BC-49C3-464A-BCE5-E6277D145538}"/>
+                <a16:creationId xmlns:a16="http://schemas.microsoft.com/office/drawing/2014/main" id="{8C1F4085-275F-F540-A017-D2F8492D39C2}"/>
               </a:ext>
             </a:extLst>
           </p:cNvPr>
@@ -7793,31 +6979,39 @@
             <p:ph idx="1"/>
           </p:nvPr>
         </p:nvSpPr>
-        <p:spPr/>
-        <p:txBody>
-          <a:bodyPr/>
-          <a:lstStyle/>
-          <a:p>
-            <a:r>
-              <a:rPr lang="en-US" dirty="0"/>
-              <a:t>Used to represent a graph as a matrix of </a:t>
-            </a:r>
-            <a:r>
-              <a:rPr lang="en-US" dirty="0" err="1"/>
-              <a:t>booleans</a:t>
-            </a:r>
-            <a:endParaRPr lang="en-US" dirty="0"/>
-          </a:p>
-          <a:p>
-            <a:r>
-              <a:rPr lang="en-US" dirty="0"/>
-              <a:t>A finite graph can be represented in the form of a square matrix, where the boolean value of the matrix indicates if there is a direct path between two vertices</a:t>
-            </a:r>
-          </a:p>
-          <a:p>
-            <a:r>
-              <a:rPr lang="en-US" dirty="0"/>
-              <a:t>Matrix: a rectangular array or tables of numbers, symbols, or expressions, arranged in rows and columns</a:t>
+        <p:spPr>
+          <a:xfrm>
+            <a:off x="1517904" y="2427890"/>
+            <a:ext cx="9144000" cy="3671158"/>
+          </a:xfrm>
+        </p:spPr>
+        <p:txBody>
+          <a:bodyPr>
+            <a:normAutofit/>
+          </a:bodyPr>
+          <a:lstStyle/>
+          <a:p>
+            <a:r>
+              <a:rPr lang="en-US" dirty="0"/>
+              <a:t>Decide if one can assign colors (from a palette of two) to the nodes in such a way that no two adjacent nodes have the same color</a:t>
+            </a:r>
+          </a:p>
+          <a:p>
+            <a:r>
+              <a:rPr lang="en-US" dirty="0"/>
+              <a:t>No self-loop (no node will have an edge to itself)</a:t>
+            </a:r>
+          </a:p>
+          <a:p>
+            <a:r>
+              <a:rPr lang="en-US" dirty="0"/>
+              <a:t>Graph is nondirected</a:t>
+            </a:r>
+          </a:p>
+          <a:p>
+            <a:r>
+              <a:rPr lang="en-US" dirty="0"/>
+              <a:t>Graph is strongly connected, there will be at least one path from any node to any other node</a:t>
             </a:r>
           </a:p>
         </p:txBody>
@@ -7825,7 +7019,7 @@
     </p:spTree>
     <p:extLst>
       <p:ext uri="{BB962C8B-B14F-4D97-AF65-F5344CB8AC3E}">
-        <p14:creationId xmlns:p14="http://schemas.microsoft.com/office/powerpoint/2010/main" val="2401727374"/>
+        <p14:creationId xmlns:p14="http://schemas.microsoft.com/office/powerpoint/2010/main" val="372741856"/>
       </p:ext>
     </p:extLst>
   </p:cSld>
@@ -7852,21 +7046,91 @@
           <a:chExt cx="0" cy="0"/>
         </a:xfrm>
       </p:grpSpPr>
+      <p:sp>
+        <p:nvSpPr>
+          <p:cNvPr id="2" name="Title 1">
+            <a:extLst>
+              <a:ext uri="{FF2B5EF4-FFF2-40B4-BE49-F238E27FC236}">
+                <a16:creationId xmlns:a16="http://schemas.microsoft.com/office/drawing/2014/main" id="{09238D6B-280A-9A47-BF5F-EB24BFBCB4E5}"/>
+              </a:ext>
+            </a:extLst>
+          </p:cNvPr>
+          <p:cNvSpPr>
+            <a:spLocks noGrp="1"/>
+          </p:cNvSpPr>
+          <p:nvPr>
+            <p:ph type="title"/>
+          </p:nvPr>
+        </p:nvSpPr>
+        <p:spPr/>
+        <p:txBody>
+          <a:bodyPr/>
+          <a:lstStyle/>
+          <a:p>
+            <a:r>
+              <a:rPr lang="en-US" dirty="0"/>
+              <a:t>Bi-coloring Problem</a:t>
+            </a:r>
+          </a:p>
+        </p:txBody>
+      </p:sp>
+      <p:sp>
+        <p:nvSpPr>
+          <p:cNvPr id="3" name="Content Placeholder 2">
+            <a:extLst>
+              <a:ext uri="{FF2B5EF4-FFF2-40B4-BE49-F238E27FC236}">
+                <a16:creationId xmlns:a16="http://schemas.microsoft.com/office/drawing/2014/main" id="{8D7F0051-8B6B-1F46-AAA8-EB4D282D109D}"/>
+              </a:ext>
+            </a:extLst>
+          </p:cNvPr>
+          <p:cNvSpPr>
+            <a:spLocks noGrp="1"/>
+          </p:cNvSpPr>
+          <p:nvPr>
+            <p:ph idx="1"/>
+          </p:nvPr>
+        </p:nvSpPr>
+        <p:spPr>
+          <a:xfrm>
+            <a:off x="1517904" y="2658164"/>
+            <a:ext cx="9144000" cy="3127248"/>
+          </a:xfrm>
+        </p:spPr>
+        <p:txBody>
+          <a:bodyPr/>
+          <a:lstStyle/>
+          <a:p>
+            <a:r>
+              <a:rPr lang="en-US" dirty="0"/>
+              <a:t>A graph is bipartite if it is two-</a:t>
+            </a:r>
+            <a:r>
+              <a:rPr lang="en-US" dirty="0" err="1"/>
+              <a:t>colourable</a:t>
+            </a:r>
+            <a:endParaRPr lang="en-US" dirty="0"/>
+          </a:p>
+          <a:p>
+            <a:r>
+              <a:rPr lang="en-US" dirty="0"/>
+              <a:t>Even cycle vs. odd cycle</a:t>
+            </a:r>
+          </a:p>
+        </p:txBody>
+      </p:sp>
       <p:pic>
         <p:nvPicPr>
-          <p:cNvPr id="4" name="Content Placeholder 3">
-            <a:extLst>
-              <a:ext uri="{FF2B5EF4-FFF2-40B4-BE49-F238E27FC236}">
-                <a16:creationId xmlns:a16="http://schemas.microsoft.com/office/drawing/2014/main" id="{8E7826C5-563A-744D-9EF2-3F456707CB8F}"/>
+          <p:cNvPr id="4" name="Picture 3">
+            <a:extLst>
+              <a:ext uri="{FF2B5EF4-FFF2-40B4-BE49-F238E27FC236}">
+                <a16:creationId xmlns:a16="http://schemas.microsoft.com/office/drawing/2014/main" id="{19EB3C5E-B3A2-864A-B020-BFC67171D245}"/>
               </a:ext>
             </a:extLst>
           </p:cNvPr>
           <p:cNvPicPr>
-            <a:picLocks noGrp="1" noChangeAspect="1"/>
+            <a:picLocks noChangeAspect="1"/>
           </p:cNvPicPr>
-          <p:nvPr>
-            <p:ph idx="1"/>
-          </p:nvPr>
+          <p:nvPr/>
         </p:nvPicPr>
         <p:blipFill>
           <a:blip r:embed="rId2"/>
@@ -7876,8 +7140,8 @@
         </p:blipFill>
         <p:spPr>
           <a:xfrm>
-            <a:off x="1165115" y="1731320"/>
-            <a:ext cx="3517244" cy="3395359"/>
+            <a:off x="1918356" y="4221788"/>
+            <a:ext cx="2291037" cy="2501521"/>
           </a:xfrm>
           <a:prstGeom prst="rect">
             <a:avLst/>
@@ -7889,7 +7153,7 @@
           <p:cNvPr id="5" name="Picture 4">
             <a:extLst>
               <a:ext uri="{FF2B5EF4-FFF2-40B4-BE49-F238E27FC236}">
-                <a16:creationId xmlns:a16="http://schemas.microsoft.com/office/drawing/2014/main" id="{29F4F9C4-991F-3F46-840F-5D7E501A5D1C}"/>
+                <a16:creationId xmlns:a16="http://schemas.microsoft.com/office/drawing/2014/main" id="{61D97F01-D36B-F447-A578-E1ED9BAC217C}"/>
               </a:ext>
             </a:extLst>
           </p:cNvPr>
@@ -7906,8 +7170,8 @@
         </p:blipFill>
         <p:spPr>
           <a:xfrm>
-            <a:off x="5680468" y="1731320"/>
-            <a:ext cx="5346417" cy="4061373"/>
+            <a:off x="6089904" y="3997146"/>
+            <a:ext cx="2412562" cy="2644168"/>
           </a:xfrm>
           <a:prstGeom prst="rect">
             <a:avLst/>
@@ -7917,7 +7181,7 @@
     </p:spTree>
     <p:extLst>
       <p:ext uri="{BB962C8B-B14F-4D97-AF65-F5344CB8AC3E}">
-        <p14:creationId xmlns:p14="http://schemas.microsoft.com/office/powerpoint/2010/main" val="112358367"/>
+        <p14:creationId xmlns:p14="http://schemas.microsoft.com/office/powerpoint/2010/main" val="2209869789"/>
       </p:ext>
     </p:extLst>
   </p:cSld>
@@ -7944,72 +7208,180 @@
           <a:chExt cx="0" cy="0"/>
         </a:xfrm>
       </p:grpSpPr>
-      <p:pic>
-        <p:nvPicPr>
-          <p:cNvPr id="4" name="Content Placeholder 3">
-            <a:extLst>
-              <a:ext uri="{FF2B5EF4-FFF2-40B4-BE49-F238E27FC236}">
-                <a16:creationId xmlns:a16="http://schemas.microsoft.com/office/drawing/2014/main" id="{F15B45D1-6324-4749-A842-CB07AEF79451}"/>
-              </a:ext>
-            </a:extLst>
-          </p:cNvPr>
-          <p:cNvPicPr>
-            <a:picLocks noGrp="1" noChangeAspect="1"/>
-          </p:cNvPicPr>
+      <p:sp>
+        <p:nvSpPr>
+          <p:cNvPr id="2" name="Title 1">
+            <a:extLst>
+              <a:ext uri="{FF2B5EF4-FFF2-40B4-BE49-F238E27FC236}">
+                <a16:creationId xmlns:a16="http://schemas.microsoft.com/office/drawing/2014/main" id="{6F9ACFE2-0B2E-8A40-80D9-D2A8CEFCD18E}"/>
+              </a:ext>
+            </a:extLst>
+          </p:cNvPr>
+          <p:cNvSpPr>
+            <a:spLocks noGrp="1"/>
+          </p:cNvSpPr>
+          <p:nvPr>
+            <p:ph type="title"/>
+          </p:nvPr>
+        </p:nvSpPr>
+        <p:spPr/>
+        <p:txBody>
+          <a:bodyPr/>
+          <a:lstStyle/>
+          <a:p>
+            <a:r>
+              <a:rPr lang="en-US" dirty="0"/>
+              <a:t>Algorithm 1</a:t>
+            </a:r>
+          </a:p>
+        </p:txBody>
+      </p:sp>
+      <p:sp>
+        <p:nvSpPr>
+          <p:cNvPr id="3" name="Content Placeholder 2">
+            <a:extLst>
+              <a:ext uri="{FF2B5EF4-FFF2-40B4-BE49-F238E27FC236}">
+                <a16:creationId xmlns:a16="http://schemas.microsoft.com/office/drawing/2014/main" id="{B619ED43-14FF-AD48-B76F-A66E5E2C0DDD}"/>
+              </a:ext>
+            </a:extLst>
+          </p:cNvPr>
+          <p:cNvSpPr>
+            <a:spLocks noGrp="1"/>
+          </p:cNvSpPr>
           <p:nvPr>
             <p:ph idx="1"/>
           </p:nvPr>
-        </p:nvPicPr>
-        <p:blipFill>
-          <a:blip r:embed="rId2"/>
-          <a:stretch>
-            <a:fillRect/>
-          </a:stretch>
-        </p:blipFill>
+        </p:nvSpPr>
         <p:spPr>
           <a:xfrm>
-            <a:off x="5045253" y="1731320"/>
-            <a:ext cx="6173380" cy="3395359"/>
+            <a:off x="1517904" y="2333297"/>
+            <a:ext cx="9659848" cy="3765751"/>
           </a:xfrm>
-          <a:prstGeom prst="rect">
-            <a:avLst/>
-          </a:prstGeom>
         </p:spPr>
-      </p:pic>
-      <p:pic>
-        <p:nvPicPr>
-          <p:cNvPr id="5" name="Content Placeholder 3">
-            <a:extLst>
-              <a:ext uri="{FF2B5EF4-FFF2-40B4-BE49-F238E27FC236}">
-                <a16:creationId xmlns:a16="http://schemas.microsoft.com/office/drawing/2014/main" id="{53C4D9EB-6073-4740-8739-7CB24BA151C5}"/>
-              </a:ext>
-            </a:extLst>
-          </p:cNvPr>
-          <p:cNvPicPr>
-            <a:picLocks noChangeAspect="1"/>
-          </p:cNvPicPr>
-          <p:nvPr/>
-        </p:nvPicPr>
-        <p:blipFill>
-          <a:blip r:embed="rId3"/>
-          <a:stretch>
-            <a:fillRect/>
-          </a:stretch>
-        </p:blipFill>
-        <p:spPr>
-          <a:xfrm>
-            <a:off x="1165115" y="1731320"/>
-            <a:ext cx="3517244" cy="3395359"/>
-          </a:xfrm>
-          <a:prstGeom prst="rect">
-            <a:avLst/>
-          </a:prstGeom>
-        </p:spPr>
-      </p:pic>
+        <p:txBody>
+          <a:bodyPr>
+            <a:normAutofit fontScale="92500" lnSpcReduction="10000"/>
+          </a:bodyPr>
+          <a:lstStyle/>
+          <a:p>
+            <a:pPr marL="514350" indent="-514350">
+              <a:buAutoNum type="arabicPeriod"/>
+            </a:pPr>
+            <a:r>
+              <a:rPr lang="en-US" dirty="0"/>
+              <a:t>Assign RED </a:t>
+            </a:r>
+            <a:r>
+              <a:rPr lang="en-US" dirty="0" err="1"/>
+              <a:t>colour</a:t>
+            </a:r>
+            <a:r>
+              <a:rPr lang="en-US" dirty="0"/>
+              <a:t> to the source vertex (putting a node into set U)</a:t>
+            </a:r>
+          </a:p>
+          <a:p>
+            <a:pPr marL="514350" indent="-514350">
+              <a:buAutoNum type="arabicPeriod"/>
+            </a:pPr>
+            <a:r>
+              <a:rPr lang="en-US" dirty="0"/>
+              <a:t>Color all neighbours with BLUE (putting nodes into set V)</a:t>
+            </a:r>
+          </a:p>
+          <a:p>
+            <a:pPr marL="514350" indent="-514350">
+              <a:buAutoNum type="arabicPeriod"/>
+            </a:pPr>
+            <a:r>
+              <a:rPr lang="en-US" dirty="0"/>
+              <a:t>Color all </a:t>
+            </a:r>
+            <a:r>
+              <a:rPr lang="en-US" dirty="0" err="1"/>
+              <a:t>neighbours’</a:t>
+            </a:r>
+            <a:r>
+              <a:rPr lang="en-US" dirty="0"/>
+              <a:t> neighbours with RED (putting nodes into set U)</a:t>
+            </a:r>
+          </a:p>
+          <a:p>
+            <a:pPr marL="514350" indent="-514350">
+              <a:buAutoNum type="arabicPeriod"/>
+            </a:pPr>
+            <a:r>
+              <a:rPr lang="en-US" dirty="0"/>
+              <a:t>Repeat step 3 until all nodes are visited</a:t>
+            </a:r>
+          </a:p>
+          <a:p>
+            <a:pPr marL="514350" indent="-514350">
+              <a:buAutoNum type="arabicPeriod"/>
+            </a:pPr>
+            <a:r>
+              <a:rPr lang="en-US" dirty="0"/>
+              <a:t>While assigning </a:t>
+            </a:r>
+            <a:r>
+              <a:rPr lang="en-US" dirty="0" err="1"/>
+              <a:t>colours</a:t>
+            </a:r>
+            <a:r>
+              <a:rPr lang="en-US" dirty="0"/>
+              <a:t>, if we find a </a:t>
+            </a:r>
+            <a:r>
+              <a:rPr lang="en-US" dirty="0" err="1"/>
+              <a:t>neighbour</a:t>
+            </a:r>
+            <a:r>
+              <a:rPr lang="en-US" dirty="0"/>
+              <a:t> which is </a:t>
+            </a:r>
+            <a:r>
+              <a:rPr lang="en-US" dirty="0" err="1"/>
+              <a:t>coloured</a:t>
+            </a:r>
+            <a:r>
+              <a:rPr lang="en-US" dirty="0"/>
+              <a:t> with the same </a:t>
+            </a:r>
+            <a:r>
+              <a:rPr lang="en-US" dirty="0" err="1"/>
+              <a:t>colour</a:t>
+            </a:r>
+            <a:r>
+              <a:rPr lang="en-US" dirty="0"/>
+              <a:t> as the current vertex, then the graph is not bi-</a:t>
+            </a:r>
+            <a:r>
+              <a:rPr lang="en-US" dirty="0" err="1"/>
+              <a:t>colourable</a:t>
+            </a:r>
+            <a:r>
+              <a:rPr lang="en-US" dirty="0"/>
+              <a:t>/bipartite</a:t>
+            </a:r>
+          </a:p>
+          <a:p>
+            <a:pPr marL="514350" indent="-514350">
+              <a:buAutoNum type="arabicPeriod"/>
+            </a:pPr>
+            <a:endParaRPr lang="en-US" dirty="0"/>
+          </a:p>
+          <a:p>
+            <a:pPr marL="514350" indent="-514350">
+              <a:buAutoNum type="arabicPeriod"/>
+            </a:pPr>
+            <a:endParaRPr lang="en-US" dirty="0"/>
+          </a:p>
+        </p:txBody>
+      </p:sp>
     </p:spTree>
     <p:extLst>
       <p:ext uri="{BB962C8B-B14F-4D97-AF65-F5344CB8AC3E}">
-        <p14:creationId xmlns:p14="http://schemas.microsoft.com/office/powerpoint/2010/main" val="1592028482"/>
+        <p14:creationId xmlns:p14="http://schemas.microsoft.com/office/powerpoint/2010/main" val="3809912017"/>
       </p:ext>
     </p:extLst>
   </p:cSld>
@@ -8041,7 +7413,7 @@
           <p:cNvPr id="2" name="Title 1">
             <a:extLst>
               <a:ext uri="{FF2B5EF4-FFF2-40B4-BE49-F238E27FC236}">
-                <a16:creationId xmlns:a16="http://schemas.microsoft.com/office/drawing/2014/main" id="{E000C5AB-1C04-EA45-A489-D7E8FCD634DB}"/>
+                <a16:creationId xmlns:a16="http://schemas.microsoft.com/office/drawing/2014/main" id="{7B0D9A9F-9688-444C-9113-09A0B95F53AA}"/>
               </a:ext>
             </a:extLst>
           </p:cNvPr>
@@ -8059,7 +7431,7 @@
           <a:p>
             <a:r>
               <a:rPr lang="en-US" dirty="0"/>
-              <a:t>Bipartite Graph</a:t>
+              <a:t>Big-O Complexity</a:t>
             </a:r>
           </a:p>
         </p:txBody>
@@ -8069,7 +7441,7 @@
           <p:cNvPr id="3" name="Content Placeholder 2">
             <a:extLst>
               <a:ext uri="{FF2B5EF4-FFF2-40B4-BE49-F238E27FC236}">
-                <a16:creationId xmlns:a16="http://schemas.microsoft.com/office/drawing/2014/main" id="{CE02B0EC-D170-8948-9194-9BF74DCE8AE7}"/>
+                <a16:creationId xmlns:a16="http://schemas.microsoft.com/office/drawing/2014/main" id="{FF6E3B65-1550-5645-958E-EA0FFC1A5F3A}"/>
               </a:ext>
             </a:extLst>
           </p:cNvPr>
@@ -8082,34 +7454,31 @@
         </p:nvSpPr>
         <p:spPr/>
         <p:txBody>
-          <a:bodyPr>
-            <a:normAutofit lnSpcReduction="10000"/>
-          </a:bodyPr>
-          <a:lstStyle/>
-          <a:p>
-            <a:r>
-              <a:rPr lang="en-US" dirty="0"/>
-              <a:t>A graph whose vertices can be divided into two independent sets, U and V, such that every edge (u, v) either connects a vertex from U to V or a vertex from V to U</a:t>
-            </a:r>
-          </a:p>
-          <a:p>
-            <a:r>
-              <a:rPr lang="en-US" dirty="0"/>
-              <a:t>For every edge (u, v), either u belongs to U and v to V, or u belongs to V and v to U</a:t>
-            </a:r>
-          </a:p>
-          <a:p>
-            <a:r>
-              <a:rPr lang="en-US" dirty="0"/>
-              <a:t>No edge connects vertices of the same set</a:t>
-            </a:r>
+          <a:bodyPr/>
+          <a:lstStyle/>
+          <a:p>
+            <a:r>
+              <a:rPr lang="en-US" dirty="0"/>
+              <a:t>Time complexity: O(V*V) using adjacency matrix, O(V+E) using adjacency list</a:t>
+            </a:r>
+          </a:p>
+          <a:p>
+            <a:r>
+              <a:rPr lang="en-US" dirty="0"/>
+              <a:t>Space complexity: O(V) for queue and </a:t>
+            </a:r>
+            <a:r>
+              <a:rPr lang="en-US" dirty="0" err="1"/>
+              <a:t>colour_arr</a:t>
+            </a:r>
+            <a:endParaRPr lang="en-US" dirty="0"/>
           </a:p>
         </p:txBody>
       </p:sp>
     </p:spTree>
     <p:extLst>
       <p:ext uri="{BB962C8B-B14F-4D97-AF65-F5344CB8AC3E}">
-        <p14:creationId xmlns:p14="http://schemas.microsoft.com/office/powerpoint/2010/main" val="1555639445"/>
+        <p14:creationId xmlns:p14="http://schemas.microsoft.com/office/powerpoint/2010/main" val="1826306599"/>
       </p:ext>
     </p:extLst>
   </p:cSld>
@@ -8136,21 +7505,80 @@
           <a:chExt cx="0" cy="0"/>
         </a:xfrm>
       </p:grpSpPr>
+      <p:sp>
+        <p:nvSpPr>
+          <p:cNvPr id="2" name="Title 1">
+            <a:extLst>
+              <a:ext uri="{FF2B5EF4-FFF2-40B4-BE49-F238E27FC236}">
+                <a16:creationId xmlns:a16="http://schemas.microsoft.com/office/drawing/2014/main" id="{26F45DEA-2D16-6A42-82BB-00CA220B7AF6}"/>
+              </a:ext>
+            </a:extLst>
+          </p:cNvPr>
+          <p:cNvSpPr>
+            <a:spLocks noGrp="1"/>
+          </p:cNvSpPr>
+          <p:nvPr>
+            <p:ph type="title"/>
+          </p:nvPr>
+        </p:nvSpPr>
+        <p:spPr/>
+        <p:txBody>
+          <a:bodyPr/>
+          <a:lstStyle/>
+          <a:p>
+            <a:r>
+              <a:rPr lang="en-US" dirty="0"/>
+              <a:t>Shortest Path (Unweighted Graph)</a:t>
+            </a:r>
+          </a:p>
+        </p:txBody>
+      </p:sp>
+      <p:sp>
+        <p:nvSpPr>
+          <p:cNvPr id="3" name="Content Placeholder 2">
+            <a:extLst>
+              <a:ext uri="{FF2B5EF4-FFF2-40B4-BE49-F238E27FC236}">
+                <a16:creationId xmlns:a16="http://schemas.microsoft.com/office/drawing/2014/main" id="{71AF1941-D3D5-6148-B13A-C8AA6B9372AA}"/>
+              </a:ext>
+            </a:extLst>
+          </p:cNvPr>
+          <p:cNvSpPr>
+            <a:spLocks noGrp="1"/>
+          </p:cNvSpPr>
+          <p:nvPr>
+            <p:ph idx="1"/>
+          </p:nvPr>
+        </p:nvSpPr>
+        <p:spPr>
+          <a:xfrm>
+            <a:off x="1517904" y="2432305"/>
+            <a:ext cx="9144000" cy="3127248"/>
+          </a:xfrm>
+        </p:spPr>
+        <p:txBody>
+          <a:bodyPr/>
+          <a:lstStyle/>
+          <a:p>
+            <a:r>
+              <a:rPr lang="en-US" dirty="0"/>
+              <a:t>Find the shortest path from source -&gt; destination</a:t>
+            </a:r>
+          </a:p>
+        </p:txBody>
+      </p:sp>
       <p:pic>
         <p:nvPicPr>
-          <p:cNvPr id="7" name="Content Placeholder 6">
-            <a:extLst>
-              <a:ext uri="{FF2B5EF4-FFF2-40B4-BE49-F238E27FC236}">
-                <a16:creationId xmlns:a16="http://schemas.microsoft.com/office/drawing/2014/main" id="{06577EB4-3D83-6B44-80E8-FAD9CB7D1582}"/>
+          <p:cNvPr id="4" name="Picture 3">
+            <a:extLst>
+              <a:ext uri="{FF2B5EF4-FFF2-40B4-BE49-F238E27FC236}">
+                <a16:creationId xmlns:a16="http://schemas.microsoft.com/office/drawing/2014/main" id="{C18CC612-BE92-B546-85B9-7F9DD776749F}"/>
               </a:ext>
             </a:extLst>
           </p:cNvPr>
           <p:cNvPicPr>
-            <a:picLocks noGrp="1" noChangeAspect="1"/>
+            <a:picLocks noChangeAspect="1"/>
           </p:cNvPicPr>
-          <p:nvPr>
-            <p:ph idx="1"/>
-          </p:nvPr>
+          <p:nvPr/>
         </p:nvPicPr>
         <p:blipFill>
           <a:blip r:embed="rId2"/>
@@ -8160,8 +7588,8 @@
         </p:blipFill>
         <p:spPr>
           <a:xfrm>
-            <a:off x="999948" y="2033751"/>
-            <a:ext cx="10192104" cy="3354825"/>
+            <a:off x="2320596" y="3118507"/>
+            <a:ext cx="6731000" cy="3187700"/>
           </a:xfrm>
           <a:prstGeom prst="rect">
             <a:avLst/>
@@ -8171,7 +7599,7 @@
     </p:spTree>
     <p:extLst>
       <p:ext uri="{BB962C8B-B14F-4D97-AF65-F5344CB8AC3E}">
-        <p14:creationId xmlns:p14="http://schemas.microsoft.com/office/powerpoint/2010/main" val="4209235805"/>
+        <p14:creationId xmlns:p14="http://schemas.microsoft.com/office/powerpoint/2010/main" val="1387091749"/>
       </p:ext>
     </p:extLst>
   </p:cSld>

--- a/CCC_Senior/Week3/Week3.pptx
+++ b/CCC_Senior/Week3/Week3.pptx
@@ -262,7 +262,7 @@
           <a:p>
             <a:fld id="{EEC8761D-B6AE-CB43-BF66-99EEC8F751AD}" type="datetimeFigureOut">
               <a:rPr lang="en-US" smtClean="0"/>
-              <a:t>7/26/22</a:t>
+              <a:t>8/9/22</a:t>
             </a:fld>
             <a:endParaRPr lang="en-US"/>
           </a:p>
@@ -700,6 +700,93 @@
 </p:notes>
 </file>
 
+<file path=ppt/notesSlides/notesSlide3.xml><?xml version="1.0" encoding="utf-8"?>
+<p:notes xmlns:a="http://schemas.openxmlformats.org/drawingml/2006/main" xmlns:r="http://schemas.openxmlformats.org/officeDocument/2006/relationships" xmlns:p="http://schemas.openxmlformats.org/presentationml/2006/main">
+  <p:cSld>
+    <p:spTree>
+      <p:nvGrpSpPr>
+        <p:cNvPr id="1" name=""/>
+        <p:cNvGrpSpPr/>
+        <p:nvPr/>
+      </p:nvGrpSpPr>
+      <p:grpSpPr>
+        <a:xfrm>
+          <a:off x="0" y="0"/>
+          <a:ext cx="0" cy="0"/>
+          <a:chOff x="0" y="0"/>
+          <a:chExt cx="0" cy="0"/>
+        </a:xfrm>
+      </p:grpSpPr>
+      <p:sp>
+        <p:nvSpPr>
+          <p:cNvPr id="2" name="Slide Image Placeholder 1"/>
+          <p:cNvSpPr>
+            <a:spLocks noGrp="1" noRot="1" noChangeAspect="1"/>
+          </p:cNvSpPr>
+          <p:nvPr>
+            <p:ph type="sldImg"/>
+          </p:nvPr>
+        </p:nvSpPr>
+        <p:spPr/>
+      </p:sp>
+      <p:sp>
+        <p:nvSpPr>
+          <p:cNvPr id="3" name="Notes Placeholder 2"/>
+          <p:cNvSpPr>
+            <a:spLocks noGrp="1"/>
+          </p:cNvSpPr>
+          <p:nvPr>
+            <p:ph type="body" idx="1"/>
+          </p:nvPr>
+        </p:nvSpPr>
+        <p:spPr/>
+        <p:txBody>
+          <a:bodyPr/>
+          <a:lstStyle/>
+          <a:p>
+            <a:r>
+              <a:rPr lang="en-US"/>
+              <a:t>Baron</a:t>
+            </a:r>
+          </a:p>
+        </p:txBody>
+      </p:sp>
+      <p:sp>
+        <p:nvSpPr>
+          <p:cNvPr id="4" name="Slide Number Placeholder 3"/>
+          <p:cNvSpPr>
+            <a:spLocks noGrp="1"/>
+          </p:cNvSpPr>
+          <p:nvPr>
+            <p:ph type="sldNum" sz="quarter" idx="5"/>
+          </p:nvPr>
+        </p:nvSpPr>
+        <p:spPr/>
+        <p:txBody>
+          <a:bodyPr/>
+          <a:lstStyle/>
+          <a:p>
+            <a:fld id="{1CB461AE-68D6-BF4F-999A-4B73E5D71B47}" type="slidenum">
+              <a:rPr lang="en-US" smtClean="0"/>
+              <a:t>27</a:t>
+            </a:fld>
+            <a:endParaRPr lang="en-US"/>
+          </a:p>
+        </p:txBody>
+      </p:sp>
+    </p:spTree>
+    <p:extLst>
+      <p:ext uri="{BB962C8B-B14F-4D97-AF65-F5344CB8AC3E}">
+        <p14:creationId xmlns:p14="http://schemas.microsoft.com/office/powerpoint/2010/main" val="1424452088"/>
+      </p:ext>
+    </p:extLst>
+  </p:cSld>
+  <p:clrMapOvr>
+    <a:masterClrMapping/>
+  </p:clrMapOvr>
+</p:notes>
+</file>
+
 <file path=ppt/slideLayouts/slideLayout1.xml><?xml version="1.0" encoding="utf-8"?>
 <p:sldLayout xmlns:a="http://schemas.openxmlformats.org/drawingml/2006/main" xmlns:r="http://schemas.openxmlformats.org/officeDocument/2006/relationships" xmlns:p="http://schemas.openxmlformats.org/presentationml/2006/main" type="title" preserve="1">
   <p:cSld name="Title Slide">
@@ -855,7 +942,7 @@
             <a:fld id="{3F9AFA87-1417-4992-ABD9-27C3BC8CC883}" type="datetimeFigureOut">
               <a:rPr lang="en-US" smtClean="0"/>
               <a:pPr algn="r"/>
-              <a:t>7/26/22</a:t>
+              <a:t>8/9/22</a:t>
             </a:fld>
             <a:endParaRPr lang="en-US" dirty="0"/>
           </a:p>
@@ -1056,7 +1143,7 @@
           <a:p>
             <a:fld id="{3F9AFA87-1417-4992-ABD9-27C3BC8CC883}" type="datetimeFigureOut">
               <a:rPr lang="en-US" smtClean="0"/>
-              <a:t>7/26/22</a:t>
+              <a:t>8/9/22</a:t>
             </a:fld>
             <a:endParaRPr lang="en-US"/>
           </a:p>
@@ -1266,7 +1353,7 @@
           <a:p>
             <a:fld id="{3F9AFA87-1417-4992-ABD9-27C3BC8CC883}" type="datetimeFigureOut">
               <a:rPr lang="en-US" smtClean="0"/>
-              <a:t>7/26/22</a:t>
+              <a:t>8/9/22</a:t>
             </a:fld>
             <a:endParaRPr lang="en-US"/>
           </a:p>
@@ -1464,7 +1551,7 @@
           <a:p>
             <a:fld id="{3F9AFA87-1417-4992-ABD9-27C3BC8CC883}" type="datetimeFigureOut">
               <a:rPr lang="en-US" smtClean="0"/>
-              <a:t>7/26/22</a:t>
+              <a:t>8/9/22</a:t>
             </a:fld>
             <a:endParaRPr lang="en-US"/>
           </a:p>
@@ -1738,7 +1825,7 @@
           <a:p>
             <a:fld id="{3F9AFA87-1417-4992-ABD9-27C3BC8CC883}" type="datetimeFigureOut">
               <a:rPr lang="en-US" smtClean="0"/>
-              <a:t>7/26/22</a:t>
+              <a:t>8/9/22</a:t>
             </a:fld>
             <a:endParaRPr lang="en-US"/>
           </a:p>
@@ -2003,7 +2090,7 @@
           <a:p>
             <a:fld id="{3F9AFA87-1417-4992-ABD9-27C3BC8CC883}" type="datetimeFigureOut">
               <a:rPr lang="en-US" smtClean="0"/>
-              <a:t>7/26/22</a:t>
+              <a:t>8/9/22</a:t>
             </a:fld>
             <a:endParaRPr lang="en-US" dirty="0"/>
           </a:p>
@@ -2390,7 +2477,7 @@
           <a:p>
             <a:fld id="{3F9AFA87-1417-4992-ABD9-27C3BC8CC883}" type="datetimeFigureOut">
               <a:rPr lang="en-US" smtClean="0"/>
-              <a:t>7/26/22</a:t>
+              <a:t>8/9/22</a:t>
             </a:fld>
             <a:endParaRPr lang="en-US"/>
           </a:p>
@@ -2560,7 +2647,7 @@
           <a:p>
             <a:fld id="{3F9AFA87-1417-4992-ABD9-27C3BC8CC883}" type="datetimeFigureOut">
               <a:rPr lang="en-US" smtClean="0"/>
-              <a:t>7/26/22</a:t>
+              <a:t>8/9/22</a:t>
             </a:fld>
             <a:endParaRPr lang="en-US"/>
           </a:p>
@@ -2673,7 +2760,7 @@
           <a:p>
             <a:fld id="{3F9AFA87-1417-4992-ABD9-27C3BC8CC883}" type="datetimeFigureOut">
               <a:rPr lang="en-US" smtClean="0"/>
-              <a:t>7/26/22</a:t>
+              <a:t>8/9/22</a:t>
             </a:fld>
             <a:endParaRPr lang="en-US"/>
           </a:p>
@@ -2993,7 +3080,7 @@
           <a:p>
             <a:fld id="{3F9AFA87-1417-4992-ABD9-27C3BC8CC883}" type="datetimeFigureOut">
               <a:rPr lang="en-US" smtClean="0"/>
-              <a:t>7/26/22</a:t>
+              <a:t>8/9/22</a:t>
             </a:fld>
             <a:endParaRPr lang="en-US"/>
           </a:p>
@@ -3298,7 +3385,7 @@
           <a:p>
             <a:fld id="{3F9AFA87-1417-4992-ABD9-27C3BC8CC883}" type="datetimeFigureOut">
               <a:rPr lang="en-US" smtClean="0"/>
-              <a:t>7/26/22</a:t>
+              <a:t>8/9/22</a:t>
             </a:fld>
             <a:endParaRPr lang="en-US"/>
           </a:p>
@@ -3541,7 +3628,7 @@
             <a:fld id="{3F9AFA87-1417-4992-ABD9-27C3BC8CC883}" type="datetimeFigureOut">
               <a:rPr lang="en-US" smtClean="0"/>
               <a:pPr algn="r"/>
-              <a:t>7/26/22</a:t>
+              <a:t>8/9/22</a:t>
             </a:fld>
             <a:endParaRPr lang="en-US" dirty="0"/>
           </a:p>
@@ -7454,7 +7541,9 @@
         </p:nvSpPr>
         <p:spPr/>
         <p:txBody>
-          <a:bodyPr/>
+          <a:bodyPr>
+            <a:normAutofit fontScale="92500" lnSpcReduction="10000"/>
+          </a:bodyPr>
           <a:lstStyle/>
           <a:p>
             <a:r>
@@ -7470,6 +7559,45 @@
             <a:r>
               <a:rPr lang="en-US" dirty="0" err="1"/>
               <a:t>colour_arr</a:t>
+            </a:r>
+            <a:endParaRPr lang="en-US" dirty="0"/>
+          </a:p>
+          <a:p>
+            <a:r>
+              <a:rPr lang="en-CA" dirty="0" err="1"/>
+              <a:t>g_not_bipartite</a:t>
+            </a:r>
+            <a:r>
+              <a:rPr lang="en-CA" dirty="0"/>
+              <a:t> = {0: {1, 2, 3},</a:t>
+            </a:r>
+            <a:br>
+              <a:rPr lang="en-CA" dirty="0"/>
+            </a:br>
+            <a:r>
+              <a:rPr lang="en-CA" dirty="0"/>
+              <a:t>     1: {0, 2},</a:t>
+            </a:r>
+            <a:br>
+              <a:rPr lang="en-CA" dirty="0"/>
+            </a:br>
+            <a:r>
+              <a:rPr lang="en-CA" dirty="0"/>
+              <a:t>     2: {1, 4},</a:t>
+            </a:r>
+            <a:br>
+              <a:rPr lang="en-CA" dirty="0"/>
+            </a:br>
+            <a:r>
+              <a:rPr lang="en-CA" dirty="0"/>
+              <a:t>     3: {0},</a:t>
+            </a:r>
+            <a:br>
+              <a:rPr lang="en-CA" dirty="0"/>
+            </a:br>
+            <a:r>
+              <a:rPr lang="en-CA" dirty="0"/>
+              <a:t>     4: {2}};</a:t>
             </a:r>
             <a:endParaRPr lang="en-US" dirty="0"/>
           </a:p>

--- a/CCC_Senior/Week3/Week3.pptx
+++ b/CCC_Senior/Week3/Week3.pptx
@@ -161,6 +161,34 @@
           <inkml:channelProperty channel="F" name="resolution" value="0" units="1/dev"/>
         </inkml:channelProperties>
       </inkml:inkSource>
+      <inkml:timestamp xml:id="ts0" timeString="2022-08-24T23:31:54.153"/>
+    </inkml:context>
+    <inkml:brush xml:id="br0">
+      <inkml:brushProperty name="width" value="0.05292" units="cm"/>
+      <inkml:brushProperty name="height" value="0.05292" units="cm"/>
+      <inkml:brushProperty name="color" value="#FF0000"/>
+    </inkml:brush>
+  </inkml:definitions>
+  <inkml:trace contextRef="#ctx0" brushRef="#br0">13969 12384 24575,'-46'0'0,"11"5"0,-4 2 0,-14 5 0,-3 1 0,5 1 0,1 1 0,4 4 0,4 0 0,-9 2 0,17-6 0,16-10 0,16-5 0,19 10 0,27 9 0,-14-5 0,2 2 0,9 3 0,1 1 0,-1-1 0,-2-1 0,-3-1 0,-2-1 0,19 9 0,-23-8 0,-10-6 0,-15-4 0,2-1 0,-9 0 0,-11 10 0,-17 8 0,-16 6 0,0 2 0,10-10 0,18-5 0,11-10 0,5 0 0,5-3 0,11 4 0,25 3 0,17 7 0,-21-8 0,1 1 0,-4 1 0,-1 0 0,19 7 0,-20-2 0,-8-6 0,-15-2 0,-2 1 0,-14 13 0,-30 12 0,9-11 0,-3 1 0,-9 1 0,-1-1 0,0-2 0,3-2 0,-18 9 0,19-9 0,23-12 0,9-2 0,9-5 0,32 8 0,17 0 0,-11 0 0,3 1 0,2 2 0,-1 1 0,-7-1 0,-2 0 0,21 15 0,-24-7 0,-18-1 0,-7 2 0,-19 5 0,-14 3 0,-21-1 0,-4-4 0,1-6 0,14-6 0,13-3 0,13-5 0,7-1 0,2-1 0,5 3 0,13 3 0,10 5 0,10 3 0,-2 1 0,-10-1 0,-7-1 0,-10-2 0,-2 2 0,-5 10 0,-22 8 0,-9 2 0,1-13 0,-4-2 0,2-5 0,-1 0 0,2 0 0,1-1 0,-11 5 0,19-7 0,14-6 0,4-4 0,5 3 0,20 4 0,14 11 0,21 5 0,2 4 0,-11-2 0,-13-8 0,-14-3 0,-12-4 0,-5-1 0,-29 5 0,-6-1 0,-27 6 0,10-5 0,12-1 0,15-7 0,15-4 0,3 0 0,3-2 0,0 1 0,0 3 0,0 7 0,0 32 0,0 20 0,-2-24 0,-2 1 0,0-1 0,0-4 0,-8 14 0,1-17 0,4-23 0,-1-5 0,4-6 0,-1-1 0</inkml:trace>
+</inkml:ink>
+</file>
+
+<file path=ppt/ink/ink2.xml><?xml version="1.0" encoding="utf-8"?>
+<inkml:ink xmlns:inkml="http://www.w3.org/2003/InkML">
+  <inkml:definitions>
+    <inkml:context xml:id="ctx0">
+      <inkml:inkSource xml:id="inkSrc0">
+        <inkml:traceFormat>
+          <inkml:channel name="X" type="integer" min="-2.14748E9" max="2.14748E9" units="cm"/>
+          <inkml:channel name="Y" type="integer" min="-2.14748E9" max="2.14748E9" units="cm"/>
+          <inkml:channel name="F" type="integer" max="32767" units="dev"/>
+        </inkml:traceFormat>
+        <inkml:channelProperties>
+          <inkml:channelProperty channel="X" name="resolution" value="1000" units="1/cm"/>
+          <inkml:channelProperty channel="Y" name="resolution" value="1000" units="1/cm"/>
+          <inkml:channelProperty channel="F" name="resolution" value="0" units="1/dev"/>
+        </inkml:channelProperties>
+      </inkml:inkSource>
       <inkml:timestamp xml:id="ts0" timeString="2022-07-17T19:29:55.324"/>
     </inkml:context>
     <inkml:brush xml:id="br0">
@@ -262,7 +290,7 @@
           <a:p>
             <a:fld id="{EEC8761D-B6AE-CB43-BF66-99EEC8F751AD}" type="datetimeFigureOut">
               <a:rPr lang="en-US" smtClean="0"/>
-              <a:t>8/9/22</a:t>
+              <a:t>8/24/22</a:t>
             </a:fld>
             <a:endParaRPr lang="en-US"/>
           </a:p>
@@ -942,7 +970,7 @@
             <a:fld id="{3F9AFA87-1417-4992-ABD9-27C3BC8CC883}" type="datetimeFigureOut">
               <a:rPr lang="en-US" smtClean="0"/>
               <a:pPr algn="r"/>
-              <a:t>8/9/22</a:t>
+              <a:t>8/24/22</a:t>
             </a:fld>
             <a:endParaRPr lang="en-US" dirty="0"/>
           </a:p>
@@ -1143,7 +1171,7 @@
           <a:p>
             <a:fld id="{3F9AFA87-1417-4992-ABD9-27C3BC8CC883}" type="datetimeFigureOut">
               <a:rPr lang="en-US" smtClean="0"/>
-              <a:t>8/9/22</a:t>
+              <a:t>8/24/22</a:t>
             </a:fld>
             <a:endParaRPr lang="en-US"/>
           </a:p>
@@ -1353,7 +1381,7 @@
           <a:p>
             <a:fld id="{3F9AFA87-1417-4992-ABD9-27C3BC8CC883}" type="datetimeFigureOut">
               <a:rPr lang="en-US" smtClean="0"/>
-              <a:t>8/9/22</a:t>
+              <a:t>8/24/22</a:t>
             </a:fld>
             <a:endParaRPr lang="en-US"/>
           </a:p>
@@ -1551,7 +1579,7 @@
           <a:p>
             <a:fld id="{3F9AFA87-1417-4992-ABD9-27C3BC8CC883}" type="datetimeFigureOut">
               <a:rPr lang="en-US" smtClean="0"/>
-              <a:t>8/9/22</a:t>
+              <a:t>8/24/22</a:t>
             </a:fld>
             <a:endParaRPr lang="en-US"/>
           </a:p>
@@ -1825,7 +1853,7 @@
           <a:p>
             <a:fld id="{3F9AFA87-1417-4992-ABD9-27C3BC8CC883}" type="datetimeFigureOut">
               <a:rPr lang="en-US" smtClean="0"/>
-              <a:t>8/9/22</a:t>
+              <a:t>8/24/22</a:t>
             </a:fld>
             <a:endParaRPr lang="en-US"/>
           </a:p>
@@ -2090,7 +2118,7 @@
           <a:p>
             <a:fld id="{3F9AFA87-1417-4992-ABD9-27C3BC8CC883}" type="datetimeFigureOut">
               <a:rPr lang="en-US" smtClean="0"/>
-              <a:t>8/9/22</a:t>
+              <a:t>8/24/22</a:t>
             </a:fld>
             <a:endParaRPr lang="en-US" dirty="0"/>
           </a:p>
@@ -2477,7 +2505,7 @@
           <a:p>
             <a:fld id="{3F9AFA87-1417-4992-ABD9-27C3BC8CC883}" type="datetimeFigureOut">
               <a:rPr lang="en-US" smtClean="0"/>
-              <a:t>8/9/22</a:t>
+              <a:t>8/24/22</a:t>
             </a:fld>
             <a:endParaRPr lang="en-US"/>
           </a:p>
@@ -2647,7 +2675,7 @@
           <a:p>
             <a:fld id="{3F9AFA87-1417-4992-ABD9-27C3BC8CC883}" type="datetimeFigureOut">
               <a:rPr lang="en-US" smtClean="0"/>
-              <a:t>8/9/22</a:t>
+              <a:t>8/24/22</a:t>
             </a:fld>
             <a:endParaRPr lang="en-US"/>
           </a:p>
@@ -2760,7 +2788,7 @@
           <a:p>
             <a:fld id="{3F9AFA87-1417-4992-ABD9-27C3BC8CC883}" type="datetimeFigureOut">
               <a:rPr lang="en-US" smtClean="0"/>
-              <a:t>8/9/22</a:t>
+              <a:t>8/24/22</a:t>
             </a:fld>
             <a:endParaRPr lang="en-US"/>
           </a:p>
@@ -3080,7 +3108,7 @@
           <a:p>
             <a:fld id="{3F9AFA87-1417-4992-ABD9-27C3BC8CC883}" type="datetimeFigureOut">
               <a:rPr lang="en-US" smtClean="0"/>
-              <a:t>8/9/22</a:t>
+              <a:t>8/24/22</a:t>
             </a:fld>
             <a:endParaRPr lang="en-US"/>
           </a:p>
@@ -3385,7 +3413,7 @@
           <a:p>
             <a:fld id="{3F9AFA87-1417-4992-ABD9-27C3BC8CC883}" type="datetimeFigureOut">
               <a:rPr lang="en-US" smtClean="0"/>
-              <a:t>8/9/22</a:t>
+              <a:t>8/24/22</a:t>
             </a:fld>
             <a:endParaRPr lang="en-US"/>
           </a:p>
@@ -3628,7 +3656,7 @@
             <a:fld id="{3F9AFA87-1417-4992-ABD9-27C3BC8CC883}" type="datetimeFigureOut">
               <a:rPr lang="en-US" smtClean="0"/>
               <a:pPr algn="r"/>
-              <a:t>8/9/22</a:t>
+              <a:t>8/24/22</a:t>
             </a:fld>
             <a:endParaRPr lang="en-US" dirty="0"/>
           </a:p>
@@ -7724,6 +7752,57 @@
           </a:prstGeom>
         </p:spPr>
       </p:pic>
+      <mc:AlternateContent xmlns:mc="http://schemas.openxmlformats.org/markup-compatibility/2006">
+        <mc:Choice xmlns:p14="http://schemas.microsoft.com/office/powerpoint/2010/main" Requires="p14">
+          <p:contentPart p14:bwMode="auto" r:id="rId3">
+            <p14:nvContentPartPr>
+              <p14:cNvPr id="5" name="Ink 4">
+                <a:extLst>
+                  <a:ext uri="{FF2B5EF4-FFF2-40B4-BE49-F238E27FC236}">
+                    <a16:creationId xmlns:a16="http://schemas.microsoft.com/office/drawing/2014/main" id="{29943E30-8CEB-FB48-853E-D4606AC24AB1}"/>
+                  </a:ext>
+                </a:extLst>
+              </p14:cNvPr>
+              <p14:cNvContentPartPr/>
+              <p14:nvPr/>
+            </p14:nvContentPartPr>
+            <p14:xfrm>
+              <a:off x="4840560" y="4458240"/>
+              <a:ext cx="242280" cy="860040"/>
+            </p14:xfrm>
+          </p:contentPart>
+        </mc:Choice>
+        <mc:Fallback>
+          <p:pic>
+            <p:nvPicPr>
+              <p:cNvPr id="5" name="Ink 4">
+                <a:extLst>
+                  <a:ext uri="{FF2B5EF4-FFF2-40B4-BE49-F238E27FC236}">
+                    <a16:creationId xmlns:a16="http://schemas.microsoft.com/office/drawing/2014/main" id="{29943E30-8CEB-FB48-853E-D4606AC24AB1}"/>
+                  </a:ext>
+                </a:extLst>
+              </p:cNvPr>
+              <p:cNvPicPr/>
+              <p:nvPr/>
+            </p:nvPicPr>
+            <p:blipFill>
+              <a:blip r:embed="rId4"/>
+              <a:stretch>
+                <a:fillRect/>
+              </a:stretch>
+            </p:blipFill>
+            <p:spPr>
+              <a:xfrm>
+                <a:off x="4831200" y="4448880"/>
+                <a:ext cx="261000" cy="878760"/>
+              </a:xfrm>
+              <a:prstGeom prst="rect">
+                <a:avLst/>
+              </a:prstGeom>
+            </p:spPr>
+          </p:pic>
+        </mc:Fallback>
+      </mc:AlternateContent>
     </p:spTree>
     <p:extLst>
       <p:ext uri="{BB962C8B-B14F-4D97-AF65-F5344CB8AC3E}">
